--- a/Day1/Day1_IntroToSpark.pptx
+++ b/Day1/Day1_IntroToSpark.pptx
@@ -5,10 +5,10 @@
     <p:sldMasterId id="2147483684" r:id="rId5"/>
   </p:sldMasterIdLst>
   <p:notesMasterIdLst>
-    <p:notesMasterId r:id="rId36"/>
+    <p:notesMasterId r:id="rId37"/>
   </p:notesMasterIdLst>
   <p:handoutMasterIdLst>
-    <p:handoutMasterId r:id="rId37"/>
+    <p:handoutMasterId r:id="rId38"/>
   </p:handoutMasterIdLst>
   <p:sldIdLst>
     <p:sldId id="257" r:id="rId6"/>
@@ -29,18 +29,19 @@
     <p:sldId id="327" r:id="rId21"/>
     <p:sldId id="309" r:id="rId22"/>
     <p:sldId id="310" r:id="rId23"/>
-    <p:sldId id="311" r:id="rId24"/>
-    <p:sldId id="312" r:id="rId25"/>
-    <p:sldId id="318" r:id="rId26"/>
-    <p:sldId id="372" r:id="rId27"/>
-    <p:sldId id="373" r:id="rId28"/>
-    <p:sldId id="375" r:id="rId29"/>
-    <p:sldId id="374" r:id="rId30"/>
-    <p:sldId id="377" r:id="rId31"/>
-    <p:sldId id="376" r:id="rId32"/>
-    <p:sldId id="378" r:id="rId33"/>
-    <p:sldId id="314" r:id="rId34"/>
-    <p:sldId id="380" r:id="rId35"/>
+    <p:sldId id="386" r:id="rId24"/>
+    <p:sldId id="311" r:id="rId25"/>
+    <p:sldId id="312" r:id="rId26"/>
+    <p:sldId id="318" r:id="rId27"/>
+    <p:sldId id="372" r:id="rId28"/>
+    <p:sldId id="373" r:id="rId29"/>
+    <p:sldId id="375" r:id="rId30"/>
+    <p:sldId id="374" r:id="rId31"/>
+    <p:sldId id="377" r:id="rId32"/>
+    <p:sldId id="376" r:id="rId33"/>
+    <p:sldId id="378" r:id="rId34"/>
+    <p:sldId id="314" r:id="rId35"/>
+    <p:sldId id="380" r:id="rId36"/>
   </p:sldIdLst>
   <p:sldSz cx="9144000" cy="6858000" type="screen4x3"/>
   <p:notesSz cx="7053263" cy="9356725"/>
@@ -1956,7 +1957,7 @@
     </p:spTree>
     <p:extLst>
       <p:ext uri="{BB962C8B-B14F-4D97-AF65-F5344CB8AC3E}">
-        <p14:creationId xmlns:p14="http://schemas.microsoft.com/office/powerpoint/2010/main" val="187619556"/>
+        <p14:creationId xmlns:p14="http://schemas.microsoft.com/office/powerpoint/2010/main" val="892971548"/>
       </p:ext>
     </p:extLst>
   </p:cSld>
@@ -2088,7 +2089,7 @@
     </p:spTree>
     <p:extLst>
       <p:ext uri="{BB962C8B-B14F-4D97-AF65-F5344CB8AC3E}">
-        <p14:creationId xmlns:p14="http://schemas.microsoft.com/office/powerpoint/2010/main" val="877553977"/>
+        <p14:creationId xmlns:p14="http://schemas.microsoft.com/office/powerpoint/2010/main" val="187619556"/>
       </p:ext>
     </p:extLst>
   </p:cSld>
@@ -2117,7 +2118,7 @@
       </p:grpSpPr>
       <p:sp>
         <p:nvSpPr>
-          <p:cNvPr id="2" name="Slide Image Placeholder 1"/>
+          <p:cNvPr id="7" name="Slide Image Placeholder 6"/>
           <p:cNvSpPr>
             <a:spLocks noGrp="1" noRot="1" noChangeAspect="1"/>
           </p:cNvSpPr>
@@ -2134,7 +2135,7 @@
       </p:sp>
       <p:sp>
         <p:nvSpPr>
-          <p:cNvPr id="3" name="Notes Placeholder 2"/>
+          <p:cNvPr id="8" name="Notes Placeholder 7"/>
           <p:cNvSpPr>
             <a:spLocks noGrp="1"/>
           </p:cNvSpPr>
@@ -2154,7 +2155,7 @@
     </p:spTree>
     <p:extLst>
       <p:ext uri="{BB962C8B-B14F-4D97-AF65-F5344CB8AC3E}">
-        <p14:creationId xmlns:p14="http://schemas.microsoft.com/office/powerpoint/2010/main" val="511580564"/>
+        <p14:creationId xmlns:p14="http://schemas.microsoft.com/office/powerpoint/2010/main" val="877553977"/>
       </p:ext>
     </p:extLst>
   </p:cSld>
@@ -2183,26 +2184,7 @@
       </p:grpSpPr>
       <p:sp>
         <p:nvSpPr>
-          <p:cNvPr id="3" name="Notes Placeholder 2"/>
-          <p:cNvSpPr>
-            <a:spLocks noGrp="1"/>
-          </p:cNvSpPr>
-          <p:nvPr>
-            <p:ph type="body" idx="1"/>
-          </p:nvPr>
-        </p:nvSpPr>
-        <p:spPr/>
-        <p:txBody>
-          <a:bodyPr/>
-          <a:lstStyle/>
-          <a:p>
-            <a:endParaRPr lang="en-US" dirty="0"/>
-          </a:p>
-        </p:txBody>
-      </p:sp>
-      <p:sp>
-        <p:nvSpPr>
-          <p:cNvPr id="6" name="Slide Image Placeholder 5"/>
+          <p:cNvPr id="2" name="Slide Image Placeholder 1"/>
           <p:cNvSpPr>
             <a:spLocks noGrp="1" noRot="1" noChangeAspect="1"/>
           </p:cNvSpPr>
@@ -2217,10 +2199,29 @@
           </a:xfrm>
         </p:spPr>
       </p:sp>
+      <p:sp>
+        <p:nvSpPr>
+          <p:cNvPr id="3" name="Notes Placeholder 2"/>
+          <p:cNvSpPr>
+            <a:spLocks noGrp="1"/>
+          </p:cNvSpPr>
+          <p:nvPr>
+            <p:ph type="body" idx="1"/>
+          </p:nvPr>
+        </p:nvSpPr>
+        <p:spPr/>
+        <p:txBody>
+          <a:bodyPr/>
+          <a:lstStyle/>
+          <a:p>
+            <a:endParaRPr lang="en-US" dirty="0"/>
+          </a:p>
+        </p:txBody>
+      </p:sp>
     </p:spTree>
     <p:extLst>
       <p:ext uri="{BB962C8B-B14F-4D97-AF65-F5344CB8AC3E}">
-        <p14:creationId xmlns:p14="http://schemas.microsoft.com/office/powerpoint/2010/main" val="4010551299"/>
+        <p14:creationId xmlns:p14="http://schemas.microsoft.com/office/powerpoint/2010/main" val="511580564"/>
       </p:ext>
     </p:extLst>
   </p:cSld>
@@ -2286,7 +2287,7 @@
     </p:spTree>
     <p:extLst>
       <p:ext uri="{BB962C8B-B14F-4D97-AF65-F5344CB8AC3E}">
-        <p14:creationId xmlns:p14="http://schemas.microsoft.com/office/powerpoint/2010/main" val="3873803249"/>
+        <p14:creationId xmlns:p14="http://schemas.microsoft.com/office/powerpoint/2010/main" val="4010551299"/>
       </p:ext>
     </p:extLst>
   </p:cSld>
@@ -2352,7 +2353,7 @@
     </p:spTree>
     <p:extLst>
       <p:ext uri="{BB962C8B-B14F-4D97-AF65-F5344CB8AC3E}">
-        <p14:creationId xmlns:p14="http://schemas.microsoft.com/office/powerpoint/2010/main" val="1100579791"/>
+        <p14:creationId xmlns:p14="http://schemas.microsoft.com/office/powerpoint/2010/main" val="3873803249"/>
       </p:ext>
     </p:extLst>
   </p:cSld>
@@ -2418,7 +2419,7 @@
     </p:spTree>
     <p:extLst>
       <p:ext uri="{BB962C8B-B14F-4D97-AF65-F5344CB8AC3E}">
-        <p14:creationId xmlns:p14="http://schemas.microsoft.com/office/powerpoint/2010/main" val="3313023223"/>
+        <p14:creationId xmlns:p14="http://schemas.microsoft.com/office/powerpoint/2010/main" val="1100579791"/>
       </p:ext>
     </p:extLst>
   </p:cSld>
@@ -2484,7 +2485,7 @@
     </p:spTree>
     <p:extLst>
       <p:ext uri="{BB962C8B-B14F-4D97-AF65-F5344CB8AC3E}">
-        <p14:creationId xmlns:p14="http://schemas.microsoft.com/office/powerpoint/2010/main" val="228023788"/>
+        <p14:creationId xmlns:p14="http://schemas.microsoft.com/office/powerpoint/2010/main" val="3313023223"/>
       </p:ext>
     </p:extLst>
   </p:cSld>
@@ -2550,7 +2551,7 @@
     </p:spTree>
     <p:extLst>
       <p:ext uri="{BB962C8B-B14F-4D97-AF65-F5344CB8AC3E}">
-        <p14:creationId xmlns:p14="http://schemas.microsoft.com/office/powerpoint/2010/main" val="544720769"/>
+        <p14:creationId xmlns:p14="http://schemas.microsoft.com/office/powerpoint/2010/main" val="228023788"/>
       </p:ext>
     </p:extLst>
   </p:cSld>
@@ -2616,7 +2617,7 @@
     </p:spTree>
     <p:extLst>
       <p:ext uri="{BB962C8B-B14F-4D97-AF65-F5344CB8AC3E}">
-        <p14:creationId xmlns:p14="http://schemas.microsoft.com/office/powerpoint/2010/main" val="2676305509"/>
+        <p14:creationId xmlns:p14="http://schemas.microsoft.com/office/powerpoint/2010/main" val="544720769"/>
       </p:ext>
     </p:extLst>
   </p:cSld>
@@ -2645,7 +2646,26 @@
       </p:grpSpPr>
       <p:sp>
         <p:nvSpPr>
-          <p:cNvPr id="15" name="Slide Image Placeholder 14"/>
+          <p:cNvPr id="3" name="Notes Placeholder 2"/>
+          <p:cNvSpPr>
+            <a:spLocks noGrp="1"/>
+          </p:cNvSpPr>
+          <p:nvPr>
+            <p:ph type="body" idx="1"/>
+          </p:nvPr>
+        </p:nvSpPr>
+        <p:spPr/>
+        <p:txBody>
+          <a:bodyPr/>
+          <a:lstStyle/>
+          <a:p>
+            <a:endParaRPr lang="en-US" dirty="0"/>
+          </a:p>
+        </p:txBody>
+      </p:sp>
+      <p:sp>
+        <p:nvSpPr>
+          <p:cNvPr id="6" name="Slide Image Placeholder 5"/>
           <p:cNvSpPr>
             <a:spLocks noGrp="1" noRot="1" noChangeAspect="1"/>
           </p:cNvSpPr>
@@ -2660,29 +2680,10 @@
           </a:xfrm>
         </p:spPr>
       </p:sp>
-      <p:sp>
-        <p:nvSpPr>
-          <p:cNvPr id="16" name="Notes Placeholder 15"/>
-          <p:cNvSpPr>
-            <a:spLocks noGrp="1"/>
-          </p:cNvSpPr>
-          <p:nvPr>
-            <p:ph type="body" idx="1"/>
-          </p:nvPr>
-        </p:nvSpPr>
-        <p:spPr/>
-        <p:txBody>
-          <a:bodyPr/>
-          <a:lstStyle/>
-          <a:p>
-            <a:endParaRPr lang="en-US" dirty="0"/>
-          </a:p>
-        </p:txBody>
-      </p:sp>
     </p:spTree>
     <p:extLst>
       <p:ext uri="{BB962C8B-B14F-4D97-AF65-F5344CB8AC3E}">
-        <p14:creationId xmlns:p14="http://schemas.microsoft.com/office/powerpoint/2010/main" val="689337057"/>
+        <p14:creationId xmlns:p14="http://schemas.microsoft.com/office/powerpoint/2010/main" val="2676305509"/>
       </p:ext>
     </p:extLst>
   </p:cSld>
@@ -2759,6 +2760,72 @@
 </file>
 
 <file path=ppt/notesSlides/notesSlide30.xml><?xml version="1.0" encoding="utf-8"?>
+<p:notes xmlns:a="http://schemas.openxmlformats.org/drawingml/2006/main" xmlns:r="http://schemas.openxmlformats.org/officeDocument/2006/relationships" xmlns:p="http://schemas.openxmlformats.org/presentationml/2006/main">
+  <p:cSld>
+    <p:spTree>
+      <p:nvGrpSpPr>
+        <p:cNvPr id="1" name=""/>
+        <p:cNvGrpSpPr/>
+        <p:nvPr/>
+      </p:nvGrpSpPr>
+      <p:grpSpPr>
+        <a:xfrm>
+          <a:off x="0" y="0"/>
+          <a:ext cx="0" cy="0"/>
+          <a:chOff x="0" y="0"/>
+          <a:chExt cx="0" cy="0"/>
+        </a:xfrm>
+      </p:grpSpPr>
+      <p:sp>
+        <p:nvSpPr>
+          <p:cNvPr id="15" name="Slide Image Placeholder 14"/>
+          <p:cNvSpPr>
+            <a:spLocks noGrp="1" noRot="1" noChangeAspect="1"/>
+          </p:cNvSpPr>
+          <p:nvPr>
+            <p:ph type="sldImg"/>
+          </p:nvPr>
+        </p:nvSpPr>
+        <p:spPr>
+          <a:xfrm>
+            <a:off x="1189038" y="701675"/>
+            <a:ext cx="4676775" cy="3508375"/>
+          </a:xfrm>
+        </p:spPr>
+      </p:sp>
+      <p:sp>
+        <p:nvSpPr>
+          <p:cNvPr id="16" name="Notes Placeholder 15"/>
+          <p:cNvSpPr>
+            <a:spLocks noGrp="1"/>
+          </p:cNvSpPr>
+          <p:nvPr>
+            <p:ph type="body" idx="1"/>
+          </p:nvPr>
+        </p:nvSpPr>
+        <p:spPr/>
+        <p:txBody>
+          <a:bodyPr/>
+          <a:lstStyle/>
+          <a:p>
+            <a:endParaRPr lang="en-US" dirty="0"/>
+          </a:p>
+        </p:txBody>
+      </p:sp>
+    </p:spTree>
+    <p:extLst>
+      <p:ext uri="{BB962C8B-B14F-4D97-AF65-F5344CB8AC3E}">
+        <p14:creationId xmlns:p14="http://schemas.microsoft.com/office/powerpoint/2010/main" val="689337057"/>
+      </p:ext>
+    </p:extLst>
+  </p:cSld>
+  <p:clrMapOvr>
+    <a:masterClrMapping/>
+  </p:clrMapOvr>
+</p:notes>
+</file>
+
+<file path=ppt/notesSlides/notesSlide31.xml><?xml version="1.0" encoding="utf-8"?>
 <p:notes xmlns:a="http://schemas.openxmlformats.org/drawingml/2006/main" xmlns:r="http://schemas.openxmlformats.org/officeDocument/2006/relationships" xmlns:p="http://schemas.openxmlformats.org/presentationml/2006/main">
   <p:cSld>
     <p:spTree>
@@ -9800,7 +9867,7 @@
             <a:pPr lvl="2"/>
             <a:r>
               <a:rPr lang="en-US" dirty="0"/>
-              <a:t>Written in Python, Java, or Scala</a:t>
+              <a:t>Written in Python, Java, R or Scala</a:t>
             </a:r>
           </a:p>
           <a:p>
@@ -10116,7 +10183,7 @@
           <a:p>
             <a:r>
               <a:rPr lang="en-US" dirty="0"/>
-              <a:t>Spark Application Flow</a:t>
+              <a:t>Resilient Distributed Datasets (RDDs)</a:t>
             </a:r>
           </a:p>
         </p:txBody>
@@ -10133,122 +10200,46 @@
         </p:nvSpPr>
         <p:spPr/>
         <p:txBody>
-          <a:bodyPr/>
+          <a:bodyPr>
+            <a:normAutofit/>
+          </a:bodyPr>
           <a:lstStyle/>
           <a:p>
             <a:r>
               <a:rPr lang="en-US" dirty="0"/>
-              <a:t>Spark applications tend to have a similar flow</a:t>
-            </a:r>
-          </a:p>
-          <a:p>
-            <a:pPr marL="428625" lvl="1" indent="-257175">
-              <a:buFont typeface="+mj-lt"/>
-              <a:buAutoNum type="arabicPeriod"/>
-            </a:pPr>
-            <a:r>
-              <a:rPr lang="en-US" dirty="0"/>
-              <a:t>Create a Spark context</a:t>
-            </a:r>
-          </a:p>
-          <a:p>
-            <a:pPr marL="644129" lvl="2" indent="-211931">
-              <a:buFont typeface="+mj-lt"/>
-              <a:buAutoNum type="alphaLcPeriod"/>
-            </a:pPr>
-            <a:r>
-              <a:rPr lang="en-US" dirty="0"/>
-              <a:t> Automatically provided in the shells via the variable </a:t>
-            </a:r>
-            <a:r>
-              <a:rPr lang="en-US" b="1" dirty="0" err="1">
-                <a:latin typeface="Courier New" panose="02070309020205020404" pitchFamily="49" charset="0"/>
-                <a:cs typeface="Courier New" panose="02070309020205020404" pitchFamily="49" charset="0"/>
-              </a:rPr>
-              <a:t>sc</a:t>
-            </a:r>
-            <a:endParaRPr lang="en-US" b="1" dirty="0"/>
-          </a:p>
-          <a:p>
-            <a:pPr marL="428625" lvl="1" indent="-257175">
-              <a:buFont typeface="+mj-lt"/>
-              <a:buAutoNum type="arabicPeriod"/>
-            </a:pPr>
-            <a:r>
-              <a:rPr lang="en-US" dirty="0"/>
-              <a:t>Import data as RDDs</a:t>
-            </a:r>
-          </a:p>
-          <a:p>
-            <a:pPr marL="428625" lvl="1" indent="-257175">
-              <a:buFont typeface="+mj-lt"/>
-              <a:buAutoNum type="arabicPeriod"/>
-            </a:pPr>
-            <a:r>
-              <a:rPr lang="en-US" dirty="0"/>
-              <a:t>Transform and perform actions on RDDs</a:t>
-            </a:r>
-          </a:p>
-          <a:p>
-            <a:pPr marL="428625" lvl="1" indent="-257175">
-              <a:buFont typeface="+mj-lt"/>
-              <a:buAutoNum type="arabicPeriod"/>
-            </a:pPr>
-            <a:r>
-              <a:rPr lang="en-US" dirty="0"/>
-              <a:t>Export results</a:t>
-            </a:r>
-          </a:p>
-          <a:p>
-            <a:r>
-              <a:rPr lang="en-US" dirty="0"/>
-              <a:t>Spark applications are not declarative in nature, however, they are still coded at a high level of abstraction</a:t>
-            </a:r>
-          </a:p>
-          <a:p>
-            <a:pPr lvl="1"/>
-            <a:r>
-              <a:rPr lang="en-US" dirty="0"/>
-              <a:t>In contrast, </a:t>
-            </a:r>
-            <a:r>
-              <a:rPr lang="en-US" i="1" dirty="0">
-                <a:latin typeface="Century Schoolbook" panose="02040604050505020304" pitchFamily="18" charset="0"/>
-              </a:rPr>
-              <a:t>tasks</a:t>
-            </a:r>
-            <a:r>
-              <a:rPr lang="en-US" dirty="0"/>
-              <a:t> are at a very low level of abstraction</a:t>
-            </a:r>
-          </a:p>
-          <a:p>
-            <a:pPr lvl="1"/>
-            <a:r>
-              <a:rPr lang="en-US" dirty="0"/>
-              <a:t>Tasks are not created by programmers, rather they are created at runtime by Spark</a:t>
-            </a:r>
-          </a:p>
-          <a:p>
-            <a:pPr marL="0" indent="0">
-              <a:buNone/>
-            </a:pPr>
-            <a:endParaRPr lang="en-US" dirty="0"/>
-          </a:p>
-          <a:p>
-            <a:pPr lvl="1"/>
-            <a:endParaRPr lang="en-US" dirty="0"/>
-          </a:p>
-          <a:p>
-            <a:pPr lvl="1"/>
-            <a:endParaRPr lang="en-US" dirty="0"/>
+              <a:t>RDDs do not hold an entire dataset in memory for the duration of processing</a:t>
+            </a:r>
+          </a:p>
+          <a:p>
+            <a:r>
+              <a:rPr lang="en-US" dirty="0"/>
+              <a:t>They are much more like a pipeline that starts loading files into memory and immediately processing the transformation sequence</a:t>
+            </a:r>
+          </a:p>
+          <a:p>
+            <a:r>
+              <a:rPr lang="en-US" dirty="0"/>
+              <a:t>As data is transformed and no longer needed it is released from memory making it available for more data</a:t>
+            </a:r>
+          </a:p>
+          <a:p>
+            <a:r>
+              <a:rPr lang="en-US" dirty="0"/>
+              <a:t>It is possible to cache RDD's in memory if reuse of existing transformations is needed, but the tradeoff is that it uses more memory to save CPU and I/O costs for reprocessing</a:t>
+            </a:r>
+          </a:p>
+          <a:p>
+            <a:r>
+              <a:rPr lang="en-US" dirty="0"/>
+              <a:t>Whether caching is a good idea or not depends on many factors</a:t>
+            </a:r>
           </a:p>
         </p:txBody>
       </p:sp>
     </p:spTree>
     <p:extLst>
       <p:ext uri="{BB962C8B-B14F-4D97-AF65-F5344CB8AC3E}">
-        <p14:creationId xmlns:p14="http://schemas.microsoft.com/office/powerpoint/2010/main" val="718479691"/>
+        <p14:creationId xmlns:p14="http://schemas.microsoft.com/office/powerpoint/2010/main" val="2414289735"/>
       </p:ext>
     </p:extLst>
   </p:cSld>
@@ -10455,6 +10446,192 @@
           <a:p>
             <a:r>
               <a:rPr lang="en-US" dirty="0"/>
+              <a:t>Spark Application Flow</a:t>
+            </a:r>
+          </a:p>
+        </p:txBody>
+      </p:sp>
+      <p:sp>
+        <p:nvSpPr>
+          <p:cNvPr id="17" name="Content Placeholder 4"/>
+          <p:cNvSpPr>
+            <a:spLocks noGrp="1"/>
+          </p:cNvSpPr>
+          <p:nvPr>
+            <p:ph idx="1"/>
+          </p:nvPr>
+        </p:nvSpPr>
+        <p:spPr/>
+        <p:txBody>
+          <a:bodyPr/>
+          <a:lstStyle/>
+          <a:p>
+            <a:r>
+              <a:rPr lang="en-US" dirty="0"/>
+              <a:t>Spark applications tend to have a similar flow</a:t>
+            </a:r>
+          </a:p>
+          <a:p>
+            <a:pPr marL="428625" lvl="1" indent="-257175">
+              <a:buFont typeface="+mj-lt"/>
+              <a:buAutoNum type="arabicPeriod"/>
+            </a:pPr>
+            <a:r>
+              <a:rPr lang="en-US" dirty="0"/>
+              <a:t>Create a Spark context</a:t>
+            </a:r>
+          </a:p>
+          <a:p>
+            <a:pPr marL="644129" lvl="2" indent="-211931">
+              <a:buFont typeface="+mj-lt"/>
+              <a:buAutoNum type="alphaLcPeriod"/>
+            </a:pPr>
+            <a:r>
+              <a:rPr lang="en-US" dirty="0"/>
+              <a:t> Automatically provided in the shells via the variable </a:t>
+            </a:r>
+            <a:r>
+              <a:rPr lang="en-US" b="1" dirty="0" err="1">
+                <a:latin typeface="Courier New" panose="02070309020205020404" pitchFamily="49" charset="0"/>
+                <a:cs typeface="Courier New" panose="02070309020205020404" pitchFamily="49" charset="0"/>
+              </a:rPr>
+              <a:t>sc</a:t>
+            </a:r>
+            <a:r>
+              <a:rPr lang="en-US" b="1" dirty="0">
+                <a:latin typeface="Courier New" panose="02070309020205020404" pitchFamily="49" charset="0"/>
+                <a:cs typeface="Courier New" panose="02070309020205020404" pitchFamily="49" charset="0"/>
+              </a:rPr>
+              <a:t> </a:t>
+            </a:r>
+            <a:r>
+              <a:rPr lang="en-US" dirty="0"/>
+              <a:t>but must make it manually when writing a custom program outside the shell</a:t>
+            </a:r>
+          </a:p>
+          <a:p>
+            <a:pPr marL="428625" lvl="1" indent="-257175">
+              <a:buFont typeface="+mj-lt"/>
+              <a:buAutoNum type="arabicPeriod"/>
+            </a:pPr>
+            <a:r>
+              <a:rPr lang="en-US" dirty="0"/>
+              <a:t>Import data as RDDs</a:t>
+            </a:r>
+          </a:p>
+          <a:p>
+            <a:pPr marL="428625" lvl="1" indent="-257175">
+              <a:buFont typeface="+mj-lt"/>
+              <a:buAutoNum type="arabicPeriod"/>
+            </a:pPr>
+            <a:r>
+              <a:rPr lang="en-US" dirty="0"/>
+              <a:t>Transform and perform actions on RDDs</a:t>
+            </a:r>
+          </a:p>
+          <a:p>
+            <a:pPr marL="428625" lvl="1" indent="-257175">
+              <a:buFont typeface="+mj-lt"/>
+              <a:buAutoNum type="arabicPeriod"/>
+            </a:pPr>
+            <a:r>
+              <a:rPr lang="en-US" dirty="0"/>
+              <a:t>Export results</a:t>
+            </a:r>
+          </a:p>
+          <a:p>
+            <a:r>
+              <a:rPr lang="en-US" dirty="0"/>
+              <a:t>Spark applications are not declarative in nature, however, they are still coded at a high level of abstraction</a:t>
+            </a:r>
+          </a:p>
+          <a:p>
+            <a:pPr lvl="1"/>
+            <a:r>
+              <a:rPr lang="en-US" dirty="0"/>
+              <a:t>In contrast, </a:t>
+            </a:r>
+            <a:r>
+              <a:rPr lang="en-US" i="1" dirty="0">
+                <a:latin typeface="Century Schoolbook" panose="02040604050505020304" pitchFamily="18" charset="0"/>
+              </a:rPr>
+              <a:t>tasks</a:t>
+            </a:r>
+            <a:r>
+              <a:rPr lang="en-US" dirty="0"/>
+              <a:t> are at a very low level of abstraction</a:t>
+            </a:r>
+          </a:p>
+          <a:p>
+            <a:pPr lvl="1"/>
+            <a:r>
+              <a:rPr lang="en-US" dirty="0"/>
+              <a:t>Tasks are not created by programmers, rather they are created at runtime by Spark</a:t>
+            </a:r>
+          </a:p>
+          <a:p>
+            <a:pPr marL="0" indent="0">
+              <a:buNone/>
+            </a:pPr>
+            <a:endParaRPr lang="en-US" dirty="0"/>
+          </a:p>
+          <a:p>
+            <a:pPr lvl="1"/>
+            <a:endParaRPr lang="en-US" dirty="0"/>
+          </a:p>
+          <a:p>
+            <a:pPr lvl="1"/>
+            <a:endParaRPr lang="en-US" dirty="0"/>
+          </a:p>
+        </p:txBody>
+      </p:sp>
+    </p:spTree>
+    <p:extLst>
+      <p:ext uri="{BB962C8B-B14F-4D97-AF65-F5344CB8AC3E}">
+        <p14:creationId xmlns:p14="http://schemas.microsoft.com/office/powerpoint/2010/main" val="718479691"/>
+      </p:ext>
+    </p:extLst>
+  </p:cSld>
+  <p:clrMapOvr>
+    <a:masterClrMapping/>
+  </p:clrMapOvr>
+</p:sld>
+</file>
+
+<file path=ppt/slides/slide21.xml><?xml version="1.0" encoding="utf-8"?>
+<p:sld xmlns:a="http://schemas.openxmlformats.org/drawingml/2006/main" xmlns:r="http://schemas.openxmlformats.org/officeDocument/2006/relationships" xmlns:p="http://schemas.openxmlformats.org/presentationml/2006/main">
+  <p:cSld>
+    <p:spTree>
+      <p:nvGrpSpPr>
+        <p:cNvPr id="1" name=""/>
+        <p:cNvGrpSpPr/>
+        <p:nvPr/>
+      </p:nvGrpSpPr>
+      <p:grpSpPr>
+        <a:xfrm>
+          <a:off x="0" y="0"/>
+          <a:ext cx="0" cy="0"/>
+          <a:chOff x="0" y="0"/>
+          <a:chExt cx="0" cy="0"/>
+        </a:xfrm>
+      </p:grpSpPr>
+      <p:sp>
+        <p:nvSpPr>
+          <p:cNvPr id="4" name="Title 3"/>
+          <p:cNvSpPr>
+            <a:spLocks noGrp="1"/>
+          </p:cNvSpPr>
+          <p:nvPr>
+            <p:ph type="title"/>
+          </p:nvPr>
+        </p:nvSpPr>
+        <p:spPr/>
+        <p:txBody>
+          <a:bodyPr/>
+          <a:lstStyle/>
+          <a:p>
+            <a:r>
+              <a:rPr lang="en-US" dirty="0"/>
               <a:t>Drivers and Executors</a:t>
             </a:r>
           </a:p>
@@ -10571,7 +10748,7 @@
 </p:sld>
 </file>
 
-<file path=ppt/slides/slide21.xml><?xml version="1.0" encoding="utf-8"?>
+<file path=ppt/slides/slide22.xml><?xml version="1.0" encoding="utf-8"?>
 <p:sld xmlns:a="http://schemas.openxmlformats.org/drawingml/2006/main" xmlns:r="http://schemas.openxmlformats.org/officeDocument/2006/relationships" xmlns:p="http://schemas.openxmlformats.org/presentationml/2006/main">
   <p:cSld>
     <p:spTree>
@@ -10945,244 +11122,6 @@
 </p:sld>
 </file>
 
-<file path=ppt/slides/slide22.xml><?xml version="1.0" encoding="utf-8"?>
-<p:sld xmlns:a="http://schemas.openxmlformats.org/drawingml/2006/main" xmlns:r="http://schemas.openxmlformats.org/officeDocument/2006/relationships" xmlns:p="http://schemas.openxmlformats.org/presentationml/2006/main">
-  <p:cSld>
-    <p:spTree>
-      <p:nvGrpSpPr>
-        <p:cNvPr id="1" name=""/>
-        <p:cNvGrpSpPr/>
-        <p:nvPr/>
-      </p:nvGrpSpPr>
-      <p:grpSpPr>
-        <a:xfrm>
-          <a:off x="0" y="0"/>
-          <a:ext cx="0" cy="0"/>
-          <a:chOff x="0" y="0"/>
-          <a:chExt cx="0" cy="0"/>
-        </a:xfrm>
-      </p:grpSpPr>
-      <p:sp>
-        <p:nvSpPr>
-          <p:cNvPr id="2" name="Title 1"/>
-          <p:cNvSpPr>
-            <a:spLocks noGrp="1"/>
-          </p:cNvSpPr>
-          <p:nvPr>
-            <p:ph type="title"/>
-          </p:nvPr>
-        </p:nvSpPr>
-        <p:spPr/>
-        <p:txBody>
-          <a:bodyPr/>
-          <a:lstStyle/>
-          <a:p>
-            <a:r>
-              <a:rPr lang="en-US" dirty="0"/>
-              <a:t>Start PySpark</a:t>
-            </a:r>
-          </a:p>
-        </p:txBody>
-      </p:sp>
-      <p:sp>
-        <p:nvSpPr>
-          <p:cNvPr id="3" name="Content Placeholder 2"/>
-          <p:cNvSpPr>
-            <a:spLocks noGrp="1"/>
-          </p:cNvSpPr>
-          <p:nvPr>
-            <p:ph idx="1"/>
-          </p:nvPr>
-        </p:nvSpPr>
-        <p:spPr>
-          <a:xfrm>
-            <a:off x="557567" y="1266825"/>
-            <a:ext cx="8318488" cy="4986911"/>
-          </a:xfrm>
-        </p:spPr>
-        <p:txBody>
-          <a:bodyPr/>
-          <a:lstStyle/>
-          <a:p>
-            <a:r>
-              <a:rPr lang="en-US" dirty="0"/>
-              <a:t>To start PySpark on the VM:</a:t>
-            </a:r>
-          </a:p>
-          <a:p>
-            <a:pPr lvl="1"/>
-            <a:r>
-              <a:rPr lang="en-US" dirty="0"/>
-              <a:t>Open a terminal window and type the following commands:</a:t>
-            </a:r>
-          </a:p>
-          <a:p>
-            <a:pPr marL="457200" lvl="2" indent="0">
-              <a:buNone/>
-            </a:pPr>
-            <a:r>
-              <a:rPr lang="en-US" dirty="0">
-                <a:latin typeface="Courier New" panose="02070309020205020404" pitchFamily="49" charset="0"/>
-                <a:cs typeface="Courier New" panose="02070309020205020404" pitchFamily="49" charset="0"/>
-              </a:rPr>
-              <a:t>cd /class</a:t>
-            </a:r>
-          </a:p>
-          <a:p>
-            <a:pPr marL="457200" lvl="2" indent="0">
-              <a:buNone/>
-            </a:pPr>
-            <a:r>
-              <a:rPr lang="en-US" dirty="0">
-                <a:latin typeface="Courier New" panose="02070309020205020404" pitchFamily="49" charset="0"/>
-                <a:cs typeface="Courier New" panose="02070309020205020404" pitchFamily="49" charset="0"/>
-              </a:rPr>
-              <a:t>pyspark </a:t>
-            </a:r>
-          </a:p>
-          <a:p>
-            <a:pPr marL="457200" lvl="2" indent="0">
-              <a:buNone/>
-            </a:pPr>
-            <a:r>
-              <a:rPr lang="en-US" dirty="0">
-                <a:latin typeface="Courier New" panose="02070309020205020404" pitchFamily="49" charset="0"/>
-                <a:cs typeface="Courier New" panose="02070309020205020404" pitchFamily="49" charset="0"/>
-              </a:rPr>
-              <a:t>sc</a:t>
-            </a:r>
-          </a:p>
-          <a:p>
-            <a:pPr marL="457200" lvl="2" indent="0">
-              <a:buNone/>
-            </a:pPr>
-            <a:r>
-              <a:rPr lang="en-US" dirty="0">
-                <a:latin typeface="Courier New" panose="02070309020205020404" pitchFamily="49" charset="0"/>
-                <a:cs typeface="Courier New" panose="02070309020205020404" pitchFamily="49" charset="0"/>
-              </a:rPr>
-              <a:t>spark</a:t>
-            </a:r>
-          </a:p>
-          <a:p>
-            <a:pPr marL="457200" lvl="2" indent="0">
-              <a:buNone/>
-            </a:pPr>
-            <a:r>
-              <a:rPr lang="en-US" dirty="0">
-                <a:latin typeface="Courier New" panose="02070309020205020404" pitchFamily="49" charset="0"/>
-                <a:cs typeface="Courier New" panose="02070309020205020404" pitchFamily="49" charset="0"/>
-              </a:rPr>
-              <a:t>x = sc.textFile('datasets/text/shakespeare.txt')</a:t>
-            </a:r>
-          </a:p>
-          <a:p>
-            <a:pPr marL="457200" lvl="2" indent="0">
-              <a:buNone/>
-            </a:pPr>
-            <a:r>
-              <a:rPr lang="en-US" dirty="0">
-                <a:latin typeface="Courier New" panose="02070309020205020404" pitchFamily="49" charset="0"/>
-                <a:cs typeface="Courier New" panose="02070309020205020404" pitchFamily="49" charset="0"/>
-              </a:rPr>
-              <a:t>x.count()</a:t>
-            </a:r>
-          </a:p>
-          <a:p>
-            <a:pPr marL="457200" lvl="2" indent="0">
-              <a:buNone/>
-            </a:pPr>
-            <a:r>
-              <a:rPr lang="en-US" dirty="0">
-                <a:latin typeface="Courier New" panose="02070309020205020404" pitchFamily="49" charset="0"/>
-                <a:cs typeface="Courier New" panose="02070309020205020404" pitchFamily="49" charset="0"/>
-              </a:rPr>
-              <a:t>x.take(10)</a:t>
-            </a:r>
-            <a:endParaRPr lang="en-US" dirty="0"/>
-          </a:p>
-          <a:p>
-            <a:r>
-              <a:rPr lang="en-US" dirty="0"/>
-              <a:t>To write a Python program from scratch you have to initialize sc and Spark manually</a:t>
-            </a:r>
-          </a:p>
-          <a:p>
-            <a:pPr lvl="1"/>
-            <a:r>
-              <a:rPr lang="en-US" dirty="0"/>
-              <a:t>initspark.py is a helper module you can copy and use in your own scripts</a:t>
-            </a:r>
-          </a:p>
-          <a:p>
-            <a:pPr marL="461963" lvl="1" indent="0">
-              <a:buNone/>
-            </a:pPr>
-            <a:r>
-              <a:rPr lang="en-US" dirty="0">
-                <a:latin typeface="Courier New" panose="02070309020205020404" pitchFamily="49" charset="0"/>
-                <a:cs typeface="Courier New" panose="02070309020205020404" pitchFamily="49" charset="0"/>
-              </a:rPr>
-              <a:t>from initspark import *</a:t>
-            </a:r>
-          </a:p>
-          <a:p>
-            <a:pPr marL="461963" lvl="1" indent="0">
-              <a:buNone/>
-            </a:pPr>
-            <a:r>
-              <a:rPr lang="en-US" dirty="0">
-                <a:latin typeface="Courier New" panose="02070309020205020404" pitchFamily="49" charset="0"/>
-                <a:cs typeface="Courier New" panose="02070309020205020404" pitchFamily="49" charset="0"/>
-              </a:rPr>
-              <a:t>sc, spark, conf = initspark()</a:t>
-            </a:r>
-          </a:p>
-          <a:p>
-            <a:pPr marL="457200" lvl="2" indent="0">
-              <a:buNone/>
-            </a:pPr>
-            <a:r>
-              <a:rPr lang="en-US" dirty="0">
-                <a:latin typeface="Courier New" panose="02070309020205020404" pitchFamily="49" charset="0"/>
-                <a:cs typeface="Courier New" panose="02070309020205020404" pitchFamily="49" charset="0"/>
-              </a:rPr>
-              <a:t>sc, spark, conf = initspark(appname = 'appname', servername = 'sparkservername', cassandra = 'cassandra)</a:t>
-            </a:r>
-          </a:p>
-          <a:p>
-            <a:pPr marL="457200" lvl="2" indent="0">
-              <a:buNone/>
-            </a:pPr>
-            <a:endParaRPr lang="en-US" dirty="0"/>
-          </a:p>
-          <a:p>
-            <a:pPr marL="457200" lvl="2" indent="0">
-              <a:buNone/>
-            </a:pPr>
-            <a:endParaRPr lang="en-US" dirty="0"/>
-          </a:p>
-          <a:p>
-            <a:pPr marL="511175" lvl="3" indent="0">
-              <a:buNone/>
-            </a:pPr>
-            <a:endParaRPr lang="en-US" dirty="0"/>
-          </a:p>
-        </p:txBody>
-      </p:sp>
-    </p:spTree>
-    <p:extLst>
-      <p:ext uri="{BB962C8B-B14F-4D97-AF65-F5344CB8AC3E}">
-        <p14:creationId xmlns:p14="http://schemas.microsoft.com/office/powerpoint/2010/main" val="875306016"/>
-      </p:ext>
-    </p:extLst>
-  </p:cSld>
-  <p:clrMapOvr>
-    <a:masterClrMapping/>
-  </p:clrMapOvr>
-</p:sld>
-</file>
-
 <file path=ppt/slides/slide23.xml><?xml version="1.0" encoding="utf-8"?>
 <p:sld xmlns:a="http://schemas.openxmlformats.org/drawingml/2006/main" xmlns:r="http://schemas.openxmlformats.org/officeDocument/2006/relationships" xmlns:p="http://schemas.openxmlformats.org/presentationml/2006/main">
   <p:cSld>
@@ -11217,7 +11156,7 @@
           <a:p>
             <a:r>
               <a:rPr lang="en-US" dirty="0"/>
-              <a:t>Load Data</a:t>
+              <a:t>Start PySpark</a:t>
             </a:r>
           </a:p>
         </p:txBody>
@@ -11234,7 +11173,7 @@
         </p:nvSpPr>
         <p:spPr>
           <a:xfrm>
-            <a:off x="392912" y="1074315"/>
+            <a:off x="557567" y="1266825"/>
             <a:ext cx="8318488" cy="4986911"/>
           </a:xfrm>
         </p:spPr>
@@ -11244,11 +11183,18 @@
           <a:p>
             <a:r>
               <a:rPr lang="en-US" dirty="0"/>
-              <a:t>The sc object is the Spark context and allows you to call methods to load and manipulate data</a:t>
-            </a:r>
-          </a:p>
-          <a:p>
-            <a:pPr marL="0" indent="0">
+              <a:t>To start PySpark on the VM:</a:t>
+            </a:r>
+          </a:p>
+          <a:p>
+            <a:pPr lvl="1"/>
+            <a:r>
+              <a:rPr lang="en-US" dirty="0"/>
+              <a:t>Open a terminal window or the notebook and run the following commands:</a:t>
+            </a:r>
+          </a:p>
+          <a:p>
+            <a:pPr marL="457200" lvl="2" indent="0">
               <a:buNone/>
             </a:pPr>
             <a:r>
@@ -11256,85 +11202,143 @@
                 <a:latin typeface="Courier New" panose="02070309020205020404" pitchFamily="49" charset="0"/>
                 <a:cs typeface="Courier New" panose="02070309020205020404" pitchFamily="49" charset="0"/>
               </a:rPr>
-              <a:t>  x = sc.parallelize(range(1, 11))</a:t>
-            </a:r>
-            <a:br>
+              <a:t>cd /class</a:t>
+            </a:r>
+          </a:p>
+          <a:p>
+            <a:pPr marL="457200" lvl="2" indent="0">
+              <a:buNone/>
+            </a:pPr>
+            <a:r>
               <a:rPr lang="en-US" dirty="0">
                 <a:latin typeface="Courier New" panose="02070309020205020404" pitchFamily="49" charset="0"/>
                 <a:cs typeface="Courier New" panose="02070309020205020404" pitchFamily="49" charset="0"/>
               </a:rPr>
-            </a:br>
+              <a:t>pyspark </a:t>
+            </a:r>
+          </a:p>
+          <a:p>
+            <a:pPr marL="457200" lvl="2" indent="0">
+              <a:buNone/>
+            </a:pPr>
             <a:r>
               <a:rPr lang="en-US" dirty="0">
                 <a:latin typeface="Courier New" panose="02070309020205020404" pitchFamily="49" charset="0"/>
                 <a:cs typeface="Courier New" panose="02070309020205020404" pitchFamily="49" charset="0"/>
               </a:rPr>
-              <a:t>  x.collect()</a:t>
-            </a:r>
-            <a:br>
+              <a:t>sc</a:t>
+            </a:r>
+          </a:p>
+          <a:p>
+            <a:pPr marL="457200" lvl="2" indent="0">
+              <a:buNone/>
+            </a:pPr>
+            <a:r>
               <a:rPr lang="en-US" dirty="0">
                 <a:latin typeface="Courier New" panose="02070309020205020404" pitchFamily="49" charset="0"/>
                 <a:cs typeface="Courier New" panose="02070309020205020404" pitchFamily="49" charset="0"/>
               </a:rPr>
-            </a:br>
+              <a:t>spark</a:t>
+            </a:r>
+          </a:p>
+          <a:p>
+            <a:pPr marL="457200" lvl="2" indent="0">
+              <a:buNone/>
+            </a:pPr>
             <a:r>
               <a:rPr lang="en-US" dirty="0">
                 <a:latin typeface="Courier New" panose="02070309020205020404" pitchFamily="49" charset="0"/>
                 <a:cs typeface="Courier New" panose="02070309020205020404" pitchFamily="49" charset="0"/>
               </a:rPr>
-              <a:t>  x.take(5)</a:t>
-            </a:r>
-            <a:br>
+              <a:t>x = sc.textFile('datasets/text/shakespeare.txt')</a:t>
+            </a:r>
+          </a:p>
+          <a:p>
+            <a:pPr marL="457200" lvl="2" indent="0">
+              <a:buNone/>
+            </a:pPr>
+            <a:r>
               <a:rPr lang="en-US" dirty="0">
                 <a:latin typeface="Courier New" panose="02070309020205020404" pitchFamily="49" charset="0"/>
                 <a:cs typeface="Courier New" panose="02070309020205020404" pitchFamily="49" charset="0"/>
               </a:rPr>
-            </a:br>
+              <a:t>x.count()</a:t>
+            </a:r>
+          </a:p>
+          <a:p>
+            <a:pPr marL="457200" lvl="2" indent="0">
+              <a:buNone/>
+            </a:pPr>
             <a:r>
               <a:rPr lang="en-US" dirty="0">
                 <a:latin typeface="Courier New" panose="02070309020205020404" pitchFamily="49" charset="0"/>
                 <a:cs typeface="Courier New" panose="02070309020205020404" pitchFamily="49" charset="0"/>
               </a:rPr>
-              <a:t>  sc.textFile('hdfs://localhost:9000/categories').collect()</a:t>
-            </a:r>
-            <a:br>
+              <a:t>x.take(10)</a:t>
+            </a:r>
+            <a:endParaRPr lang="en-US" dirty="0"/>
+          </a:p>
+          <a:p>
+            <a:r>
+              <a:rPr lang="en-US" dirty="0"/>
+              <a:t>To write a Python program from scratch you have to initialize </a:t>
+            </a:r>
+            <a:r>
+              <a:rPr lang="en-US" dirty="0" err="1">
+                <a:latin typeface="Courier New" panose="02070309020205020404" pitchFamily="49" charset="0"/>
+                <a:cs typeface="Courier New" panose="02070309020205020404" pitchFamily="49" charset="0"/>
+              </a:rPr>
+              <a:t>sc</a:t>
+            </a:r>
+            <a:r>
+              <a:rPr lang="en-US" dirty="0"/>
+              <a:t> and </a:t>
+            </a:r>
+            <a:r>
               <a:rPr lang="en-US" dirty="0">
                 <a:latin typeface="Courier New" panose="02070309020205020404" pitchFamily="49" charset="0"/>
                 <a:cs typeface="Courier New" panose="02070309020205020404" pitchFamily="49" charset="0"/>
               </a:rPr>
-            </a:br>
+              <a:t>spark</a:t>
+            </a:r>
+            <a:r>
+              <a:rPr lang="en-US" dirty="0"/>
+              <a:t> variables manually</a:t>
+            </a:r>
+          </a:p>
+          <a:p>
+            <a:pPr lvl="1"/>
+            <a:r>
+              <a:rPr lang="en-US" dirty="0"/>
+              <a:t>initspark.py is a helper module we wrote that you can copy and use in your own scripts</a:t>
+            </a:r>
+          </a:p>
+          <a:p>
+            <a:pPr marL="461963" lvl="1" indent="0">
+              <a:buNone/>
+            </a:pPr>
             <a:r>
               <a:rPr lang="en-US" dirty="0">
                 <a:latin typeface="Courier New" panose="02070309020205020404" pitchFamily="49" charset="0"/>
                 <a:cs typeface="Courier New" panose="02070309020205020404" pitchFamily="49" charset="0"/>
               </a:rPr>
-              <a:t>  sc.textFile('hdfsPath('categories').collect()</a:t>
-            </a:r>
-          </a:p>
-          <a:p>
-            <a:r>
-              <a:rPr lang="en-US" dirty="0"/>
-              <a:t>Load a local file</a:t>
-            </a:r>
-            <a:br>
-              <a:rPr lang="en-US" dirty="0"/>
-            </a:br>
+              <a:t>from initspark import *</a:t>
+            </a:r>
+          </a:p>
+          <a:p>
+            <a:pPr marL="461963" lvl="1" indent="0">
+              <a:buNone/>
+            </a:pPr>
             <a:r>
               <a:rPr lang="en-US" dirty="0">
                 <a:latin typeface="Courier New" panose="02070309020205020404" pitchFamily="49" charset="0"/>
                 <a:cs typeface="Courier New" panose="02070309020205020404" pitchFamily="49" charset="0"/>
               </a:rPr>
-              <a:t>sc.textFile('file:///class/datasets/northwind/CSV/categories/categories.csv')</a:t>
-            </a:r>
-          </a:p>
-          <a:p>
-            <a:r>
-              <a:rPr lang="en-US" dirty="0"/>
-              <a:t>Load a local folder</a:t>
-            </a:r>
-          </a:p>
-          <a:p>
-            <a:pPr marL="228600" lvl="1" indent="0">
+              <a:t>sc, spark, conf = initspark()</a:t>
+            </a:r>
+          </a:p>
+          <a:p>
+            <a:pPr marL="457200" lvl="2" indent="0">
               <a:buNone/>
             </a:pPr>
             <a:r>
@@ -11342,55 +11346,33 @@
                 <a:latin typeface="Courier New" panose="02070309020205020404" pitchFamily="49" charset="0"/>
                 <a:cs typeface="Courier New" panose="02070309020205020404" pitchFamily="49" charset="0"/>
               </a:rPr>
-              <a:t>sc.textFile('file:///class/datasets/northwind/CSV/categories')</a:t>
-            </a:r>
-          </a:p>
-          <a:p>
-            <a:r>
-              <a:rPr lang="en-US" dirty="0"/>
-              <a:t>Load a hdfs folder</a:t>
-            </a:r>
-          </a:p>
-          <a:p>
-            <a:pPr marL="228600" lvl="1" indent="0">
+              <a:t>sc, spark, conf = initspark(appname = 'appname', servername = 'sparkservername', cassandra = 'cassandra)</a:t>
+            </a:r>
+          </a:p>
+          <a:p>
+            <a:pPr marL="457200" lvl="2" indent="0">
               <a:buNone/>
             </a:pPr>
-            <a:r>
-              <a:rPr lang="en-US" dirty="0">
-                <a:latin typeface="Courier New" panose="02070309020205020404" pitchFamily="49" charset="0"/>
-                <a:cs typeface="Courier New" panose="02070309020205020404" pitchFamily="49" charset="0"/>
-              </a:rPr>
-              <a:t>sc.textFile('hdfs://localhost:9000/categories')</a:t>
-            </a:r>
-            <a:br>
-              <a:rPr lang="en-US" dirty="0">
-                <a:latin typeface="Courier New" panose="02070309020205020404" pitchFamily="49" charset="0"/>
-                <a:cs typeface="Courier New" panose="02070309020205020404" pitchFamily="49" charset="0"/>
-              </a:rPr>
-            </a:br>
-            <a:r>
-              <a:rPr lang="en-US" dirty="0">
-                <a:latin typeface="Courier New" panose="02070309020205020404" pitchFamily="49" charset="0"/>
-                <a:cs typeface="Courier New" panose="02070309020205020404" pitchFamily="49" charset="0"/>
-              </a:rPr>
-              <a:t>sc.textFile(hdfsFolder('categories'))</a:t>
-            </a:r>
-          </a:p>
-          <a:p>
-            <a:pPr marL="228600" lvl="1" indent="0">
+            <a:endParaRPr lang="en-US" dirty="0"/>
+          </a:p>
+          <a:p>
+            <a:pPr marL="457200" lvl="2" indent="0">
               <a:buNone/>
             </a:pPr>
-            <a:endParaRPr lang="en-US" dirty="0">
-              <a:latin typeface="Courier New" panose="02070309020205020404" pitchFamily="49" charset="0"/>
-              <a:cs typeface="Courier New" panose="02070309020205020404" pitchFamily="49" charset="0"/>
-            </a:endParaRPr>
+            <a:endParaRPr lang="en-US" dirty="0"/>
+          </a:p>
+          <a:p>
+            <a:pPr marL="511175" lvl="3" indent="0">
+              <a:buNone/>
+            </a:pPr>
+            <a:endParaRPr lang="en-US" dirty="0"/>
           </a:p>
         </p:txBody>
       </p:sp>
     </p:spTree>
     <p:extLst>
       <p:ext uri="{BB962C8B-B14F-4D97-AF65-F5344CB8AC3E}">
-        <p14:creationId xmlns:p14="http://schemas.microsoft.com/office/powerpoint/2010/main" val="3079920070"/>
+        <p14:creationId xmlns:p14="http://schemas.microsoft.com/office/powerpoint/2010/main" val="875306016"/>
       </p:ext>
     </p:extLst>
   </p:cSld>
@@ -11419,12 +11401,12 @@
       </p:grpSpPr>
       <p:sp>
         <p:nvSpPr>
-          <p:cNvPr id="3" name="Content Placeholder 2"/>
+          <p:cNvPr id="2" name="Title 1"/>
           <p:cNvSpPr>
             <a:spLocks noGrp="1"/>
           </p:cNvSpPr>
           <p:nvPr>
-            <p:ph idx="1"/>
+            <p:ph type="title"/>
           </p:nvPr>
         </p:nvSpPr>
         <p:spPr/>
@@ -11434,97 +11416,224 @@
           <a:p>
             <a:r>
               <a:rPr lang="en-US" dirty="0"/>
-              <a:t>Once you have an RDD, you can invoke methods on it</a:t>
-            </a:r>
-          </a:p>
-          <a:p>
-            <a:r>
-              <a:rPr lang="en-US" dirty="0"/>
-              <a:t>Methods can either be:</a:t>
-            </a:r>
-          </a:p>
-          <a:p>
-            <a:pPr lvl="1"/>
-            <a:r>
-              <a:rPr lang="en-US" dirty="0"/>
-              <a:t>An action which causes it to do some work and possibly return data back to the client</a:t>
-            </a:r>
-          </a:p>
-          <a:p>
-            <a:pPr lvl="1"/>
-            <a:r>
-              <a:rPr lang="en-US" dirty="0"/>
-              <a:t>A transformation which is lazy evaluated and is only run when an action is called</a:t>
-            </a:r>
-          </a:p>
-          <a:p>
-            <a:r>
-              <a:rPr lang="en-US" dirty="0"/>
-              <a:t>Transformations can be chained together to create multiple operations on the data but none are executed until an action is called. This allows the entire chain of transformations to be internally optimized by Spark before execution</a:t>
-            </a:r>
-          </a:p>
-          <a:p>
-            <a:r>
-              <a:rPr lang="en-US" dirty="0"/>
-              <a:t>Transformations can also be either:</a:t>
-            </a:r>
-          </a:p>
-          <a:p>
-            <a:pPr lvl="1"/>
-            <a:r>
-              <a:rPr lang="en-US" dirty="0"/>
-              <a:t>Narrow: can operate on the data in a single node</a:t>
-            </a:r>
-          </a:p>
-          <a:p>
-            <a:pPr lvl="2"/>
-            <a:r>
-              <a:rPr lang="en-US" dirty="0"/>
-              <a:t>Like a map operation in MapReduce</a:t>
-            </a:r>
-          </a:p>
-          <a:p>
-            <a:pPr lvl="1"/>
-            <a:r>
-              <a:rPr lang="en-US" dirty="0"/>
-              <a:t>Wide: requires data with the same key to be shuffled around to the same nodes </a:t>
-            </a:r>
-          </a:p>
-          <a:p>
-            <a:pPr lvl="2"/>
-            <a:r>
-              <a:rPr lang="en-US" dirty="0"/>
-              <a:t>Like a reduce operation in MapReduce</a:t>
+              <a:t>Load Data</a:t>
             </a:r>
           </a:p>
         </p:txBody>
       </p:sp>
       <p:sp>
         <p:nvSpPr>
-          <p:cNvPr id="2" name="Title 1"/>
+          <p:cNvPr id="3" name="Content Placeholder 2"/>
           <p:cNvSpPr>
             <a:spLocks noGrp="1"/>
           </p:cNvSpPr>
           <p:nvPr>
-            <p:ph type="title"/>
-          </p:nvPr>
-        </p:nvSpPr>
-        <p:spPr/>
+            <p:ph idx="1"/>
+          </p:nvPr>
+        </p:nvSpPr>
+        <p:spPr>
+          <a:xfrm>
+            <a:off x="392912" y="1074315"/>
+            <a:ext cx="8318488" cy="4986911"/>
+          </a:xfrm>
+        </p:spPr>
         <p:txBody>
           <a:bodyPr/>
           <a:lstStyle/>
           <a:p>
             <a:r>
               <a:rPr lang="en-US" dirty="0"/>
-              <a:t>Actions and Transformations</a:t>
-            </a:r>
+              <a:t>The </a:t>
+            </a:r>
+            <a:r>
+              <a:rPr lang="en-US" dirty="0" err="1">
+                <a:latin typeface="Courier New" panose="02070309020205020404" pitchFamily="49" charset="0"/>
+                <a:cs typeface="Courier New" panose="02070309020205020404" pitchFamily="49" charset="0"/>
+              </a:rPr>
+              <a:t>sc</a:t>
+            </a:r>
+            <a:r>
+              <a:rPr lang="en-US" dirty="0"/>
+              <a:t> object is the Spark context and allows you to call methods to load and manipulate data</a:t>
+            </a:r>
+          </a:p>
+          <a:p>
+            <a:pPr marL="0" indent="0">
+              <a:buNone/>
+            </a:pPr>
+            <a:r>
+              <a:rPr lang="en-US" dirty="0">
+                <a:latin typeface="Courier New" panose="02070309020205020404" pitchFamily="49" charset="0"/>
+                <a:cs typeface="Courier New" panose="02070309020205020404" pitchFamily="49" charset="0"/>
+              </a:rPr>
+              <a:t>  x = sc.parallelize(range(1, 11))</a:t>
+            </a:r>
+            <a:br>
+              <a:rPr lang="en-US" dirty="0">
+                <a:latin typeface="Courier New" panose="02070309020205020404" pitchFamily="49" charset="0"/>
+                <a:cs typeface="Courier New" panose="02070309020205020404" pitchFamily="49" charset="0"/>
+              </a:rPr>
+            </a:br>
+            <a:r>
+              <a:rPr lang="en-US" dirty="0">
+                <a:latin typeface="Courier New" panose="02070309020205020404" pitchFamily="49" charset="0"/>
+                <a:cs typeface="Courier New" panose="02070309020205020404" pitchFamily="49" charset="0"/>
+              </a:rPr>
+              <a:t>  x.collect()</a:t>
+            </a:r>
+            <a:br>
+              <a:rPr lang="en-US" dirty="0">
+                <a:latin typeface="Courier New" panose="02070309020205020404" pitchFamily="49" charset="0"/>
+                <a:cs typeface="Courier New" panose="02070309020205020404" pitchFamily="49" charset="0"/>
+              </a:rPr>
+            </a:br>
+            <a:r>
+              <a:rPr lang="en-US" dirty="0">
+                <a:latin typeface="Courier New" panose="02070309020205020404" pitchFamily="49" charset="0"/>
+                <a:cs typeface="Courier New" panose="02070309020205020404" pitchFamily="49" charset="0"/>
+              </a:rPr>
+              <a:t>  x.take(5)</a:t>
+            </a:r>
+            <a:br>
+              <a:rPr lang="en-US" dirty="0">
+                <a:latin typeface="Courier New" panose="02070309020205020404" pitchFamily="49" charset="0"/>
+                <a:cs typeface="Courier New" panose="02070309020205020404" pitchFamily="49" charset="0"/>
+              </a:rPr>
+            </a:br>
+            <a:r>
+              <a:rPr lang="en-US" dirty="0">
+                <a:latin typeface="Courier New" panose="02070309020205020404" pitchFamily="49" charset="0"/>
+                <a:cs typeface="Courier New" panose="02070309020205020404" pitchFamily="49" charset="0"/>
+              </a:rPr>
+              <a:t>  sc.textFile('hdfs://localhost:9000/categories').collect()</a:t>
+            </a:r>
+          </a:p>
+          <a:p>
+            <a:r>
+              <a:rPr lang="en-US" dirty="0"/>
+              <a:t>Load a local file</a:t>
+            </a:r>
+            <a:br>
+              <a:rPr lang="en-US" dirty="0"/>
+            </a:br>
+            <a:r>
+              <a:rPr lang="en-US" dirty="0" err="1">
+                <a:latin typeface="Courier New" panose="02070309020205020404" pitchFamily="49" charset="0"/>
+                <a:cs typeface="Courier New" panose="02070309020205020404" pitchFamily="49" charset="0"/>
+              </a:rPr>
+              <a:t>sc.textFile</a:t>
+            </a:r>
+            <a:r>
+              <a:rPr lang="en-US" dirty="0">
+                <a:latin typeface="Courier New" panose="02070309020205020404" pitchFamily="49" charset="0"/>
+                <a:cs typeface="Courier New" panose="02070309020205020404" pitchFamily="49" charset="0"/>
+              </a:rPr>
+              <a:t>('file:///class/datasets/</a:t>
+            </a:r>
+            <a:r>
+              <a:rPr lang="en-US" dirty="0" err="1">
+                <a:latin typeface="Courier New" panose="02070309020205020404" pitchFamily="49" charset="0"/>
+                <a:cs typeface="Courier New" panose="02070309020205020404" pitchFamily="49" charset="0"/>
+              </a:rPr>
+              <a:t>northwind</a:t>
+            </a:r>
+            <a:r>
+              <a:rPr lang="en-US" dirty="0">
+                <a:latin typeface="Courier New" panose="02070309020205020404" pitchFamily="49" charset="0"/>
+                <a:cs typeface="Courier New" panose="02070309020205020404" pitchFamily="49" charset="0"/>
+              </a:rPr>
+              <a:t>/CSV/categories/</a:t>
+            </a:r>
+            <a:r>
+              <a:rPr lang="en-US" dirty="0" err="1">
+                <a:latin typeface="Courier New" panose="02070309020205020404" pitchFamily="49" charset="0"/>
+                <a:cs typeface="Courier New" panose="02070309020205020404" pitchFamily="49" charset="0"/>
+              </a:rPr>
+              <a:t>categories.csv</a:t>
+            </a:r>
+            <a:r>
+              <a:rPr lang="en-US" dirty="0">
+                <a:latin typeface="Courier New" panose="02070309020205020404" pitchFamily="49" charset="0"/>
+                <a:cs typeface="Courier New" panose="02070309020205020404" pitchFamily="49" charset="0"/>
+              </a:rPr>
+              <a:t>')</a:t>
+            </a:r>
+          </a:p>
+          <a:p>
+            <a:r>
+              <a:rPr lang="en-US" dirty="0"/>
+              <a:t>Load a local folder</a:t>
+            </a:r>
+          </a:p>
+          <a:p>
+            <a:pPr marL="228600" lvl="1" indent="0">
+              <a:buNone/>
+            </a:pPr>
+            <a:r>
+              <a:rPr lang="en-US" dirty="0">
+                <a:latin typeface="Courier New" panose="02070309020205020404" pitchFamily="49" charset="0"/>
+                <a:cs typeface="Courier New" panose="02070309020205020404" pitchFamily="49" charset="0"/>
+              </a:rPr>
+              <a:t>sc.textFile('file:///class/datasets/northwind/CSV/categories')</a:t>
+            </a:r>
+          </a:p>
+          <a:p>
+            <a:r>
+              <a:rPr lang="en-US" dirty="0"/>
+              <a:t>Load a hdfs folder</a:t>
+            </a:r>
+          </a:p>
+          <a:p>
+            <a:pPr marL="228600" lvl="1" indent="0">
+              <a:buNone/>
+            </a:pPr>
+            <a:r>
+              <a:rPr lang="en-US" dirty="0">
+                <a:latin typeface="Courier New" panose="02070309020205020404" pitchFamily="49" charset="0"/>
+                <a:cs typeface="Courier New" panose="02070309020205020404" pitchFamily="49" charset="0"/>
+              </a:rPr>
+              <a:t>cat = </a:t>
+            </a:r>
+            <a:r>
+              <a:rPr lang="en-US" dirty="0" err="1">
+                <a:latin typeface="Courier New" panose="02070309020205020404" pitchFamily="49" charset="0"/>
+                <a:cs typeface="Courier New" panose="02070309020205020404" pitchFamily="49" charset="0"/>
+              </a:rPr>
+              <a:t>sc.textFile</a:t>
+            </a:r>
+            <a:r>
+              <a:rPr lang="en-US" dirty="0">
+                <a:latin typeface="Courier New" panose="02070309020205020404" pitchFamily="49" charset="0"/>
+                <a:cs typeface="Courier New" panose="02070309020205020404" pitchFamily="49" charset="0"/>
+              </a:rPr>
+              <a:t>('hdfs://localhost:9000/categories')</a:t>
+            </a:r>
+            <a:br>
+              <a:rPr lang="en-US" dirty="0">
+                <a:latin typeface="Courier New" panose="02070309020205020404" pitchFamily="49" charset="0"/>
+                <a:cs typeface="Courier New" panose="02070309020205020404" pitchFamily="49" charset="0"/>
+              </a:rPr>
+            </a:br>
+            <a:endParaRPr lang="en-US" dirty="0">
+              <a:latin typeface="Courier New" panose="02070309020205020404" pitchFamily="49" charset="0"/>
+              <a:cs typeface="Courier New" panose="02070309020205020404" pitchFamily="49" charset="0"/>
+            </a:endParaRPr>
+          </a:p>
+          <a:p>
+            <a:pPr marL="228600" lvl="1" indent="0">
+              <a:buNone/>
+            </a:pPr>
+            <a:endParaRPr lang="en-US" dirty="0">
+              <a:latin typeface="Courier New" panose="02070309020205020404" pitchFamily="49" charset="0"/>
+              <a:cs typeface="Courier New" panose="02070309020205020404" pitchFamily="49" charset="0"/>
+            </a:endParaRPr>
           </a:p>
         </p:txBody>
       </p:sp>
     </p:spTree>
     <p:extLst>
       <p:ext uri="{BB962C8B-B14F-4D97-AF65-F5344CB8AC3E}">
-        <p14:creationId xmlns:p14="http://schemas.microsoft.com/office/powerpoint/2010/main" val="4000793596"/>
+        <p14:creationId xmlns:p14="http://schemas.microsoft.com/office/powerpoint/2010/main" val="3079920070"/>
       </p:ext>
     </p:extLst>
   </p:cSld>
@@ -11553,18 +11662,92 @@
       </p:grpSpPr>
       <p:sp>
         <p:nvSpPr>
-          <p:cNvPr id="7" name="Content Placeholder 6">
-            <a:extLst>
-              <a:ext uri="{FF2B5EF4-FFF2-40B4-BE49-F238E27FC236}">
-                <a16:creationId xmlns:a16="http://schemas.microsoft.com/office/drawing/2014/main" id="{CFFB0733-FB1B-4F1B-91CA-DD4986D05760}"/>
-              </a:ext>
-            </a:extLst>
-          </p:cNvPr>
+          <p:cNvPr id="3" name="Content Placeholder 2"/>
           <p:cNvSpPr>
             <a:spLocks noGrp="1"/>
           </p:cNvSpPr>
           <p:nvPr>
             <p:ph idx="1"/>
+          </p:nvPr>
+        </p:nvSpPr>
+        <p:spPr>
+          <a:xfrm>
+            <a:off x="618732" y="1051919"/>
+            <a:ext cx="8020050" cy="5072616"/>
+          </a:xfrm>
+        </p:spPr>
+        <p:txBody>
+          <a:bodyPr/>
+          <a:lstStyle/>
+          <a:p>
+            <a:r>
+              <a:rPr lang="en-US" dirty="0"/>
+              <a:t>Once you have an RDD, you can invoke methods on it</a:t>
+            </a:r>
+          </a:p>
+          <a:p>
+            <a:r>
+              <a:rPr lang="en-US" dirty="0"/>
+              <a:t>Methods can either be:</a:t>
+            </a:r>
+          </a:p>
+          <a:p>
+            <a:pPr lvl="1"/>
+            <a:r>
+              <a:rPr lang="en-US" dirty="0"/>
+              <a:t>A transformation which is lazy evaluated and is only run when an action is called</a:t>
+            </a:r>
+          </a:p>
+          <a:p>
+            <a:pPr lvl="1"/>
+            <a:r>
+              <a:rPr lang="en-US" dirty="0"/>
+              <a:t>An action which causes it to do some work and possibly return data back to the client or write it to disk</a:t>
+            </a:r>
+          </a:p>
+          <a:p>
+            <a:r>
+              <a:rPr lang="en-US" dirty="0"/>
+              <a:t>Transformations can be chained together to create multiple operations on the data but none are executed until an action is called. This allows the entire chain of transformations to be internally optimized by Spark before execution</a:t>
+            </a:r>
+          </a:p>
+          <a:p>
+            <a:pPr lvl="1"/>
+            <a:r>
+              <a:rPr lang="en-US" dirty="0"/>
+              <a:t>Once an action fires, a subsequent action redoes all the work from the beginning, no data is cached unless you tell it to</a:t>
+            </a:r>
+          </a:p>
+          <a:p>
+            <a:r>
+              <a:rPr lang="en-US" dirty="0"/>
+              <a:t>Transformations can also be either:</a:t>
+            </a:r>
+          </a:p>
+          <a:p>
+            <a:pPr lvl="1"/>
+            <a:r>
+              <a:rPr lang="en-US" dirty="0"/>
+              <a:t>Narrow: can operate on the data in a single node like a map operation in MapReduce</a:t>
+            </a:r>
+          </a:p>
+          <a:p>
+            <a:pPr lvl="1"/>
+            <a:r>
+              <a:rPr lang="en-US" dirty="0"/>
+              <a:t>Wide: requires data with the same key to be shuffled around to the same nodes, like a reduce operation in MapReduce</a:t>
+            </a:r>
+          </a:p>
+        </p:txBody>
+      </p:sp>
+      <p:sp>
+        <p:nvSpPr>
+          <p:cNvPr id="2" name="Title 1"/>
+          <p:cNvSpPr>
+            <a:spLocks noGrp="1"/>
+          </p:cNvSpPr>
+          <p:nvPr>
+            <p:ph type="title"/>
           </p:nvPr>
         </p:nvSpPr>
         <p:spPr/>
@@ -11574,224 +11757,7 @@
           <a:p>
             <a:r>
               <a:rPr lang="en-US" dirty="0"/>
-              <a:t>The data is loaded into an RDD (Resilient Distributed DataFrame)</a:t>
-            </a:r>
-          </a:p>
-          <a:p>
-            <a:pPr lvl="1"/>
-            <a:r>
-              <a:rPr lang="en-US" dirty="0"/>
-              <a:t>Very similar to a Python list except it is spread across many nodes in the cluster</a:t>
-            </a:r>
-          </a:p>
-          <a:p>
-            <a:pPr lvl="1"/>
-            <a:r>
-              <a:rPr lang="en-US" dirty="0"/>
-              <a:t>Has many built-in methods to process the data </a:t>
-            </a:r>
-          </a:p>
-          <a:p>
-            <a:r>
-              <a:rPr lang="en-US" dirty="0"/>
-              <a:t>Loading data from a text file basically creates a list of strings</a:t>
-            </a:r>
-          </a:p>
-          <a:p>
-            <a:r>
-              <a:rPr lang="en-US" dirty="0"/>
-              <a:t>Some useful actions to look at the data are:</a:t>
-            </a:r>
-          </a:p>
-          <a:p>
-            <a:pPr lvl="1"/>
-            <a:r>
-              <a:rPr lang="en-US" dirty="0">
-                <a:latin typeface="Courier New" panose="02070309020205020404" pitchFamily="49" charset="0"/>
-                <a:cs typeface="Courier New" panose="02070309020205020404" pitchFamily="49" charset="0"/>
-              </a:rPr>
-              <a:t>rdd.collect() -</a:t>
-            </a:r>
-            <a:r>
-              <a:rPr lang="en-US" dirty="0"/>
-              <a:t> returns the entire RDD as a Python list to the client</a:t>
-            </a:r>
-          </a:p>
-          <a:p>
-            <a:pPr lvl="1"/>
-            <a:r>
-              <a:rPr lang="en-US" dirty="0">
-                <a:latin typeface="Courier New" panose="02070309020205020404" pitchFamily="49" charset="0"/>
-                <a:cs typeface="Courier New" panose="02070309020205020404" pitchFamily="49" charset="0"/>
-              </a:rPr>
-              <a:t>rdd.count() -</a:t>
-            </a:r>
-            <a:r>
-              <a:rPr lang="en-US" dirty="0">
-                <a:latin typeface="+mn-lt"/>
-                <a:cs typeface="Courier New" panose="02070309020205020404" pitchFamily="49" charset="0"/>
-              </a:rPr>
-              <a:t> </a:t>
-            </a:r>
-            <a:r>
-              <a:rPr lang="en-US" dirty="0"/>
-              <a:t>returns a count of how many items are in the RDD</a:t>
-            </a:r>
-          </a:p>
-          <a:p>
-            <a:pPr lvl="1"/>
-            <a:r>
-              <a:rPr lang="en-US" dirty="0">
-                <a:latin typeface="Courier New" panose="02070309020205020404" pitchFamily="49" charset="0"/>
-                <a:cs typeface="Courier New" panose="02070309020205020404" pitchFamily="49" charset="0"/>
-              </a:rPr>
-              <a:t>rdd.take(x) -</a:t>
-            </a:r>
-            <a:r>
-              <a:rPr lang="en-US" dirty="0">
-                <a:latin typeface="+mn-lt"/>
-                <a:cs typeface="Courier New" panose="02070309020205020404" pitchFamily="49" charset="0"/>
-              </a:rPr>
-              <a:t> </a:t>
-            </a:r>
-            <a:r>
-              <a:rPr lang="en-US" dirty="0"/>
-              <a:t>returns </a:t>
-            </a:r>
-            <a:r>
-              <a:rPr lang="en-US" dirty="0">
-                <a:latin typeface="Courier New" panose="02070309020205020404" pitchFamily="49" charset="0"/>
-                <a:cs typeface="Courier New" panose="02070309020205020404" pitchFamily="49" charset="0"/>
-              </a:rPr>
-              <a:t>x</a:t>
-            </a:r>
-            <a:r>
-              <a:rPr lang="en-US" dirty="0"/>
-              <a:t> number of items from the RDD as a list</a:t>
-            </a:r>
-          </a:p>
-          <a:p>
-            <a:pPr lvl="1"/>
-            <a:r>
-              <a:rPr lang="en-US" dirty="0">
-                <a:latin typeface="Courier New" panose="02070309020205020404" pitchFamily="49" charset="0"/>
-                <a:cs typeface="Courier New" panose="02070309020205020404" pitchFamily="49" charset="0"/>
-              </a:rPr>
-              <a:t>rdd.takeOrdered(x, key=function) </a:t>
-            </a:r>
-            <a:r>
-              <a:rPr lang="en-US" dirty="0">
-                <a:latin typeface="+mn-lt"/>
-                <a:cs typeface="Courier New" panose="02070309020205020404" pitchFamily="49" charset="0"/>
-              </a:rPr>
-              <a:t>– </a:t>
-            </a:r>
-            <a:r>
-              <a:rPr lang="en-US" dirty="0"/>
-              <a:t>returns </a:t>
-            </a:r>
-            <a:r>
-              <a:rPr lang="en-US" dirty="0">
-                <a:latin typeface="Courier New" panose="02070309020205020404" pitchFamily="49" charset="0"/>
-                <a:cs typeface="Courier New" panose="02070309020205020404" pitchFamily="49" charset="0"/>
-              </a:rPr>
-              <a:t>x</a:t>
-            </a:r>
-            <a:r>
-              <a:rPr lang="en-US" dirty="0"/>
-              <a:t> rows of an RDD after sorting it first using a function</a:t>
-            </a:r>
-          </a:p>
-          <a:p>
-            <a:pPr lvl="1"/>
-            <a:r>
-              <a:rPr lang="en-US" dirty="0">
-                <a:latin typeface="Courier New" panose="02070309020205020404" pitchFamily="49" charset="0"/>
-                <a:cs typeface="Courier New" panose="02070309020205020404" pitchFamily="49" charset="0"/>
-              </a:rPr>
-              <a:t>rdd.top(x, key=function) -</a:t>
-            </a:r>
-            <a:r>
-              <a:rPr lang="en-US" dirty="0">
-                <a:latin typeface="+mn-lt"/>
-                <a:cs typeface="Courier New" panose="02070309020205020404" pitchFamily="49" charset="0"/>
-              </a:rPr>
-              <a:t> </a:t>
-            </a:r>
-            <a:r>
-              <a:rPr lang="en-US" dirty="0"/>
-              <a:t>returns the opposite of takeOrdered</a:t>
-            </a:r>
-          </a:p>
-          <a:p>
-            <a:pPr lvl="1"/>
-            <a:r>
-              <a:rPr lang="en-US" dirty="0">
-                <a:latin typeface="Courier New" panose="02070309020205020404" pitchFamily="49" charset="0"/>
-                <a:cs typeface="Courier New" panose="02070309020205020404" pitchFamily="49" charset="0"/>
-              </a:rPr>
-              <a:t>rdd.takeSample(replacement, count, seed) </a:t>
-            </a:r>
-            <a:r>
-              <a:rPr lang="en-US" dirty="0">
-                <a:latin typeface="+mn-lt"/>
-                <a:cs typeface="Courier New" panose="02070309020205020404" pitchFamily="49" charset="0"/>
-              </a:rPr>
-              <a:t>- </a:t>
-            </a:r>
-            <a:r>
-              <a:rPr lang="en-US" dirty="0"/>
-              <a:t>returns a sample of a larger data set</a:t>
-            </a:r>
-          </a:p>
-          <a:p>
-            <a:pPr lvl="1"/>
-            <a:r>
-              <a:rPr lang="en-US" dirty="0">
-                <a:latin typeface="Courier New" panose="02070309020205020404" pitchFamily="49" charset="0"/>
-                <a:cs typeface="Courier New" panose="02070309020205020404" pitchFamily="49" charset="0"/>
-              </a:rPr>
-              <a:t>rdd.foreach(function) -</a:t>
-            </a:r>
-            <a:r>
-              <a:rPr lang="en-US" dirty="0">
-                <a:latin typeface="+mn-lt"/>
-                <a:cs typeface="Courier New" panose="02070309020205020404" pitchFamily="49" charset="0"/>
-              </a:rPr>
-              <a:t> </a:t>
-            </a:r>
-            <a:r>
-              <a:rPr lang="en-US" dirty="0"/>
-              <a:t>executes the function once for each element of the RDD</a:t>
-            </a:r>
-            <a:endParaRPr lang="en-US" dirty="0">
-              <a:latin typeface="Courier New" panose="02070309020205020404" pitchFamily="49" charset="0"/>
-              <a:cs typeface="Courier New" panose="02070309020205020404" pitchFamily="49" charset="0"/>
-            </a:endParaRPr>
-          </a:p>
-          <a:p>
-            <a:endParaRPr lang="en-US" dirty="0"/>
-          </a:p>
-        </p:txBody>
-      </p:sp>
-      <p:sp>
-        <p:nvSpPr>
-          <p:cNvPr id="2" name="Title 1"/>
-          <p:cNvSpPr>
-            <a:spLocks noGrp="1"/>
-          </p:cNvSpPr>
-          <p:nvPr>
-            <p:ph type="title"/>
-          </p:nvPr>
-        </p:nvSpPr>
-        <p:spPr/>
-        <p:txBody>
-          <a:bodyPr/>
-          <a:lstStyle/>
-          <a:p>
-            <a:r>
-              <a:rPr lang="en-US" dirty="0"/>
-              <a:t>Processing Data</a:t>
+              <a:t>Actions and Transformations</a:t>
             </a:r>
           </a:p>
         </p:txBody>
@@ -11799,7 +11765,7 @@
     </p:spTree>
     <p:extLst>
       <p:ext uri="{BB962C8B-B14F-4D97-AF65-F5344CB8AC3E}">
-        <p14:creationId xmlns:p14="http://schemas.microsoft.com/office/powerpoint/2010/main" val="3432327179"/>
+        <p14:creationId xmlns:p14="http://schemas.microsoft.com/office/powerpoint/2010/main" val="4000793596"/>
       </p:ext>
     </p:extLst>
   </p:cSld>
@@ -11828,10 +11794,10 @@
       </p:grpSpPr>
       <p:sp>
         <p:nvSpPr>
-          <p:cNvPr id="5" name="Content Placeholder 4">
+          <p:cNvPr id="7" name="Content Placeholder 6">
             <a:extLst>
               <a:ext uri="{FF2B5EF4-FFF2-40B4-BE49-F238E27FC236}">
-                <a16:creationId xmlns:a16="http://schemas.microsoft.com/office/drawing/2014/main" id="{8CF55260-A388-485C-A06C-7DCFA9C312E2}"/>
+                <a16:creationId xmlns:a16="http://schemas.microsoft.com/office/drawing/2014/main" id="{CFFB0733-FB1B-4F1B-91CA-DD4986D05760}"/>
               </a:ext>
             </a:extLst>
           </p:cNvPr>
@@ -11849,7 +11815,33 @@
           <a:p>
             <a:r>
               <a:rPr lang="en-US" dirty="0"/>
-              <a:t>There are a lot of methods to save data to different formats</a:t>
+              <a:t>The data is loaded into an RDD (Resilient Distributed DataFrame)</a:t>
+            </a:r>
+          </a:p>
+          <a:p>
+            <a:pPr lvl="1"/>
+            <a:r>
+              <a:rPr lang="en-US" dirty="0"/>
+              <a:t>Very similar to a Python list except it is spread across many nodes in the cluster</a:t>
+            </a:r>
+          </a:p>
+          <a:p>
+            <a:pPr lvl="1"/>
+            <a:r>
+              <a:rPr lang="en-US" dirty="0"/>
+              <a:t>Has many built-in methods to process the data </a:t>
+            </a:r>
+          </a:p>
+          <a:p>
+            <a:r>
+              <a:rPr lang="en-US" dirty="0"/>
+              <a:t>Loading data from a text file basically creates a list of strings</a:t>
+            </a:r>
+          </a:p>
+          <a:p>
+            <a:r>
+              <a:rPr lang="en-US" dirty="0"/>
+              <a:t>Some useful actions to look at the data are:</a:t>
             </a:r>
           </a:p>
           <a:p>
@@ -11859,24 +11851,32 @@
                 <a:latin typeface="Courier New" panose="02070309020205020404" pitchFamily="49" charset="0"/>
                 <a:cs typeface="Courier New" panose="02070309020205020404" pitchFamily="49" charset="0"/>
               </a:rPr>
-              <a:t>rdd.saveAsTextFile() </a:t>
+              <a:t>rdd.collect() -</a:t>
+            </a:r>
+            <a:r>
+              <a:rPr lang="en-US" dirty="0"/>
+              <a:t> returns the entire RDD as a Python list to the client</a:t>
+            </a:r>
+          </a:p>
+          <a:p>
+            <a:pPr lvl="1"/>
+            <a:r>
+              <a:rPr lang="en-US" dirty="0">
+                <a:latin typeface="Courier New" panose="02070309020205020404" pitchFamily="49" charset="0"/>
+                <a:cs typeface="Courier New" panose="02070309020205020404" pitchFamily="49" charset="0"/>
+              </a:rPr>
+              <a:t>rdd.count() -</a:t>
             </a:r>
             <a:r>
               <a:rPr lang="en-US" dirty="0">
                 <a:latin typeface="+mn-lt"/>
                 <a:cs typeface="Courier New" panose="02070309020205020404" pitchFamily="49" charset="0"/>
               </a:rPr>
-              <a:t>–</a:t>
-            </a:r>
-            <a:r>
-              <a:rPr lang="en-US" dirty="0">
-                <a:latin typeface="+mn-lt"/>
-              </a:rPr>
               <a:t> </a:t>
             </a:r>
             <a:r>
               <a:rPr lang="en-US" dirty="0"/>
-              <a:t>saves the RDD as a plain text file</a:t>
+              <a:t>returns a count of how many items are in the RDD</a:t>
             </a:r>
           </a:p>
           <a:p>
@@ -11886,7 +11886,39 @@
                 <a:latin typeface="Courier New" panose="02070309020205020404" pitchFamily="49" charset="0"/>
                 <a:cs typeface="Courier New" panose="02070309020205020404" pitchFamily="49" charset="0"/>
               </a:rPr>
-              <a:t>rdd.saveAsHadoopFile() </a:t>
+              <a:t>rdd.take(x) -</a:t>
+            </a:r>
+            <a:r>
+              <a:rPr lang="en-US" dirty="0">
+                <a:latin typeface="+mn-lt"/>
+                <a:cs typeface="Courier New" panose="02070309020205020404" pitchFamily="49" charset="0"/>
+              </a:rPr>
+              <a:t> </a:t>
+            </a:r>
+            <a:r>
+              <a:rPr lang="en-US" dirty="0"/>
+              <a:t>returns </a:t>
+            </a:r>
+            <a:r>
+              <a:rPr lang="en-US" dirty="0">
+                <a:latin typeface="Courier New" panose="02070309020205020404" pitchFamily="49" charset="0"/>
+                <a:cs typeface="Courier New" panose="02070309020205020404" pitchFamily="49" charset="0"/>
+              </a:rPr>
+              <a:t>x</a:t>
+            </a:r>
+            <a:r>
+              <a:rPr lang="en-US" dirty="0"/>
+              <a:t> number of items from the RDD as a list</a:t>
+            </a:r>
+          </a:p>
+          <a:p>
+            <a:pPr lvl="1"/>
+            <a:r>
+              <a:rPr lang="en-US" dirty="0">
+                <a:latin typeface="Courier New" panose="02070309020205020404" pitchFamily="49" charset="0"/>
+                <a:cs typeface="Courier New" panose="02070309020205020404" pitchFamily="49" charset="0"/>
+              </a:rPr>
+              <a:t>rdd.takeOrdered(x, key=function) </a:t>
             </a:r>
             <a:r>
               <a:rPr lang="en-US" dirty="0">
@@ -11897,57 +11929,89 @@
             </a:r>
             <a:r>
               <a:rPr lang="en-US" dirty="0"/>
-              <a:t>saves the RDD as a key/value pair file suitable for Hadoop</a:t>
-            </a:r>
-          </a:p>
-          <a:p>
-            <a:pPr lvl="1"/>
+              <a:t>returns </a:t>
+            </a:r>
             <a:r>
               <a:rPr lang="en-US" dirty="0">
                 <a:latin typeface="Courier New" panose="02070309020205020404" pitchFamily="49" charset="0"/>
                 <a:cs typeface="Courier New" panose="02070309020205020404" pitchFamily="49" charset="0"/>
               </a:rPr>
-              <a:t>rdd.saveAsSequenceFile() </a:t>
+              <a:t>x</a:t>
+            </a:r>
+            <a:r>
+              <a:rPr lang="en-US" dirty="0"/>
+              <a:t> rows of an RDD after sorting it first using a function</a:t>
+            </a:r>
+          </a:p>
+          <a:p>
+            <a:pPr lvl="1"/>
+            <a:r>
+              <a:rPr lang="en-US" dirty="0">
+                <a:latin typeface="Courier New" panose="02070309020205020404" pitchFamily="49" charset="0"/>
+                <a:cs typeface="Courier New" panose="02070309020205020404" pitchFamily="49" charset="0"/>
+              </a:rPr>
+              <a:t>rdd.top(x, key=function) -</a:t>
             </a:r>
             <a:r>
               <a:rPr lang="en-US" dirty="0">
                 <a:latin typeface="+mn-lt"/>
                 <a:cs typeface="Courier New" panose="02070309020205020404" pitchFamily="49" charset="0"/>
               </a:rPr>
-              <a:t>– </a:t>
-            </a:r>
-            <a:r>
-              <a:rPr lang="en-US" dirty="0"/>
-              <a:t>saves the RDD as a Hadoop sequence file</a:t>
+              <a:t> </a:t>
+            </a:r>
+            <a:r>
+              <a:rPr lang="en-US" dirty="0"/>
+              <a:t>returns the opposite of takeOrdered</a:t>
             </a:r>
           </a:p>
           <a:p>
             <a:pPr lvl="1"/>
-            <a:r>
-              <a:rPr lang="en-US" dirty="0" err="1">
-                <a:latin typeface="Courier New" panose="02070309020205020404" pitchFamily="49" charset="0"/>
-                <a:cs typeface="Courier New" panose="02070309020205020404" pitchFamily="49" charset="0"/>
-              </a:rPr>
-              <a:t>rdd.saveAsPickleFile</a:t>
-            </a:r>
             <a:r>
               <a:rPr lang="en-US" dirty="0">
                 <a:latin typeface="Courier New" panose="02070309020205020404" pitchFamily="49" charset="0"/>
                 <a:cs typeface="Courier New" panose="02070309020205020404" pitchFamily="49" charset="0"/>
               </a:rPr>
-              <a:t>() </a:t>
+              <a:t>rdd.takeSample(replacement, count, seed) </a:t>
             </a:r>
             <a:r>
               <a:rPr lang="en-US" dirty="0">
                 <a:latin typeface="+mn-lt"/>
                 <a:cs typeface="Courier New" panose="02070309020205020404" pitchFamily="49" charset="0"/>
               </a:rPr>
-              <a:t>– </a:t>
-            </a:r>
-            <a:r>
-              <a:rPr lang="en-US" dirty="0"/>
-              <a:t>saves the RDD as a Python pickle file</a:t>
-            </a:r>
+              <a:t>- </a:t>
+            </a:r>
+            <a:r>
+              <a:rPr lang="en-US" dirty="0"/>
+              <a:t>returns a sample of a larger data set</a:t>
+            </a:r>
+          </a:p>
+          <a:p>
+            <a:pPr lvl="1"/>
+            <a:r>
+              <a:rPr lang="en-US" dirty="0">
+                <a:latin typeface="Courier New" panose="02070309020205020404" pitchFamily="49" charset="0"/>
+                <a:cs typeface="Courier New" panose="02070309020205020404" pitchFamily="49" charset="0"/>
+              </a:rPr>
+              <a:t>rdd.foreach(function) -</a:t>
+            </a:r>
+            <a:r>
+              <a:rPr lang="en-US" dirty="0">
+                <a:latin typeface="+mn-lt"/>
+                <a:cs typeface="Courier New" panose="02070309020205020404" pitchFamily="49" charset="0"/>
+              </a:rPr>
+              <a:t> </a:t>
+            </a:r>
+            <a:r>
+              <a:rPr lang="en-US" dirty="0"/>
+              <a:t>executes the function once for each element of the RDD</a:t>
+            </a:r>
+            <a:endParaRPr lang="en-US" dirty="0">
+              <a:latin typeface="Courier New" panose="02070309020205020404" pitchFamily="49" charset="0"/>
+              <a:cs typeface="Courier New" panose="02070309020205020404" pitchFamily="49" charset="0"/>
+            </a:endParaRPr>
+          </a:p>
+          <a:p>
+            <a:endParaRPr lang="en-US" dirty="0"/>
           </a:p>
         </p:txBody>
       </p:sp>
@@ -11968,7 +12032,7 @@
           <a:p>
             <a:r>
               <a:rPr lang="en-US" dirty="0"/>
-              <a:t>Saving Data</a:t>
+              <a:t>Processing Data</a:t>
             </a:r>
           </a:p>
         </p:txBody>
@@ -11976,7 +12040,7 @@
     </p:spTree>
     <p:extLst>
       <p:ext uri="{BB962C8B-B14F-4D97-AF65-F5344CB8AC3E}">
-        <p14:creationId xmlns:p14="http://schemas.microsoft.com/office/powerpoint/2010/main" val="1414255862"/>
+        <p14:creationId xmlns:p14="http://schemas.microsoft.com/office/powerpoint/2010/main" val="3432327179"/>
       </p:ext>
     </p:extLst>
   </p:cSld>
@@ -12005,12 +12069,18 @@
       </p:grpSpPr>
       <p:sp>
         <p:nvSpPr>
-          <p:cNvPr id="2" name="Title 1"/>
+          <p:cNvPr id="5" name="Content Placeholder 4">
+            <a:extLst>
+              <a:ext uri="{FF2B5EF4-FFF2-40B4-BE49-F238E27FC236}">
+                <a16:creationId xmlns:a16="http://schemas.microsoft.com/office/drawing/2014/main" id="{8CF55260-A388-485C-A06C-7DCFA9C312E2}"/>
+              </a:ext>
+            </a:extLst>
+          </p:cNvPr>
           <p:cNvSpPr>
             <a:spLocks noGrp="1"/>
           </p:cNvSpPr>
           <p:nvPr>
-            <p:ph type="title"/>
+            <p:ph idx="1"/>
           </p:nvPr>
         </p:nvSpPr>
         <p:spPr/>
@@ -12020,92 +12090,17 @@
           <a:p>
             <a:r>
               <a:rPr lang="en-US" dirty="0"/>
-              <a:t>Transformations</a:t>
-            </a:r>
-          </a:p>
-        </p:txBody>
-      </p:sp>
-      <p:sp>
-        <p:nvSpPr>
-          <p:cNvPr id="3" name="Content Placeholder 2"/>
-          <p:cNvSpPr>
-            <a:spLocks noGrp="1"/>
-          </p:cNvSpPr>
-          <p:nvPr>
-            <p:ph idx="1"/>
-          </p:nvPr>
-        </p:nvSpPr>
-        <p:spPr>
-          <a:xfrm>
-            <a:off x="392911" y="917557"/>
-            <a:ext cx="8590667" cy="4986911"/>
-          </a:xfrm>
-        </p:spPr>
-        <p:txBody>
-          <a:bodyPr/>
-          <a:lstStyle/>
-          <a:p>
-            <a:r>
-              <a:rPr lang="en-US" dirty="0"/>
-              <a:t>Transformations are used to create a recipe of changes you want to make to the data</a:t>
+              <a:t>There are a lot of methods to save data to different formats</a:t>
             </a:r>
           </a:p>
           <a:p>
             <a:pPr lvl="1"/>
-            <a:r>
-              <a:rPr lang="en-US" dirty="0"/>
-              <a:t>String parsing, data conversion, calculations</a:t>
-            </a:r>
-          </a:p>
-          <a:p>
-            <a:pPr lvl="1"/>
-            <a:r>
-              <a:rPr lang="en-US" dirty="0"/>
-              <a:t>Filtering</a:t>
-            </a:r>
-          </a:p>
-          <a:p>
-            <a:pPr lvl="1"/>
-            <a:r>
-              <a:rPr lang="en-US" dirty="0"/>
-              <a:t>Matching</a:t>
-            </a:r>
-          </a:p>
-          <a:p>
-            <a:pPr lvl="1"/>
-            <a:r>
-              <a:rPr lang="en-US" dirty="0"/>
-              <a:t>Sorting</a:t>
-            </a:r>
-          </a:p>
-          <a:p>
-            <a:pPr lvl="1"/>
-            <a:r>
-              <a:rPr lang="en-US" dirty="0"/>
-              <a:t>Aggregating</a:t>
-            </a:r>
-          </a:p>
-          <a:p>
-            <a:r>
-              <a:rPr lang="en-US" dirty="0"/>
-              <a:t>Some useful transformations:</a:t>
-            </a:r>
-          </a:p>
-          <a:p>
-            <a:pPr lvl="1"/>
-            <a:r>
-              <a:rPr lang="en-US" dirty="0"/>
-              <a:t>Narrow transformations</a:t>
-            </a:r>
-          </a:p>
-          <a:p>
-            <a:pPr lvl="2"/>
             <a:r>
               <a:rPr lang="en-US" dirty="0">
                 <a:latin typeface="Courier New" panose="02070309020205020404" pitchFamily="49" charset="0"/>
                 <a:cs typeface="Courier New" panose="02070309020205020404" pitchFamily="49" charset="0"/>
               </a:rPr>
-              <a:t>rdd.map() </a:t>
+              <a:t>rdd.saveAsTextFile() </a:t>
             </a:r>
             <a:r>
               <a:rPr lang="en-US" dirty="0">
@@ -12122,182 +12117,121 @@
             </a:r>
             <a:r>
               <a:rPr lang="en-US" dirty="0"/>
-              <a:t>applies a function to each element of the RDD</a:t>
-            </a:r>
-          </a:p>
-          <a:p>
-            <a:pPr lvl="2"/>
+              <a:t>saves the RDD as a plain text file</a:t>
+            </a:r>
+          </a:p>
+          <a:p>
+            <a:pPr lvl="1"/>
             <a:r>
               <a:rPr lang="en-US" dirty="0">
                 <a:latin typeface="Courier New" panose="02070309020205020404" pitchFamily="49" charset="0"/>
                 <a:cs typeface="Courier New" panose="02070309020205020404" pitchFamily="49" charset="0"/>
               </a:rPr>
-              <a:t>rdd.flatMap() </a:t>
+              <a:t>rdd.saveAsHadoopFile() </a:t>
             </a:r>
             <a:r>
               <a:rPr lang="en-US" dirty="0">
                 <a:latin typeface="+mn-lt"/>
                 <a:cs typeface="Courier New" panose="02070309020205020404" pitchFamily="49" charset="0"/>
               </a:rPr>
-              <a:t>–</a:t>
-            </a:r>
-            <a:r>
-              <a:rPr lang="en-US" dirty="0">
-                <a:latin typeface="+mn-lt"/>
-              </a:rPr>
-              <a:t> </a:t>
-            </a:r>
-            <a:r>
-              <a:rPr lang="en-US" dirty="0"/>
-              <a:t>applies a function and flattens the elements</a:t>
-            </a:r>
-          </a:p>
-          <a:p>
-            <a:pPr lvl="2"/>
+              <a:t>– </a:t>
+            </a:r>
+            <a:r>
+              <a:rPr lang="en-US" dirty="0"/>
+              <a:t>saves the RDD as a key/value pair file suitable for Hadoop</a:t>
+            </a:r>
+          </a:p>
+          <a:p>
+            <a:pPr lvl="1"/>
             <a:r>
               <a:rPr lang="en-US" dirty="0">
                 <a:latin typeface="Courier New" panose="02070309020205020404" pitchFamily="49" charset="0"/>
                 <a:cs typeface="Courier New" panose="02070309020205020404" pitchFamily="49" charset="0"/>
               </a:rPr>
-              <a:t>rdd.filter() </a:t>
+              <a:t>rdd.saveAsSequenceFile() </a:t>
             </a:r>
             <a:r>
               <a:rPr lang="en-US" dirty="0">
                 <a:latin typeface="+mn-lt"/>
                 <a:cs typeface="Courier New" panose="02070309020205020404" pitchFamily="49" charset="0"/>
               </a:rPr>
-              <a:t>–</a:t>
-            </a:r>
-            <a:r>
-              <a:rPr lang="en-US" dirty="0">
-                <a:latin typeface="+mn-lt"/>
+              <a:t>– </a:t>
+            </a:r>
+            <a:r>
+              <a:rPr lang="en-US" dirty="0"/>
+              <a:t>saves the RDD as a Hadoop sequence file</a:t>
+            </a:r>
+          </a:p>
+          <a:p>
+            <a:pPr lvl="1"/>
+            <a:r>
+              <a:rPr lang="en-US" dirty="0" err="1">
+                <a:latin typeface="Courier New" panose="02070309020205020404" pitchFamily="49" charset="0"/>
+                <a:cs typeface="Courier New" panose="02070309020205020404" pitchFamily="49" charset="0"/>
               </a:rPr>
-              <a:t> </a:t>
-            </a:r>
-            <a:r>
-              <a:rPr lang="en-US" dirty="0"/>
-              <a:t>applies a function to determine if an element is returned</a:t>
-            </a:r>
-          </a:p>
-          <a:p>
-            <a:pPr lvl="1"/>
-            <a:r>
-              <a:rPr lang="en-US" dirty="0"/>
-              <a:t>Wide transformations</a:t>
-            </a:r>
-          </a:p>
-          <a:p>
-            <a:pPr lvl="2"/>
+              <a:t>rdd.saveAsPickleFile</a:t>
+            </a:r>
             <a:r>
               <a:rPr lang="en-US" dirty="0">
                 <a:latin typeface="Courier New" panose="02070309020205020404" pitchFamily="49" charset="0"/>
                 <a:cs typeface="Courier New" panose="02070309020205020404" pitchFamily="49" charset="0"/>
               </a:rPr>
-              <a:t>rdd.sort() </a:t>
+              <a:t>() </a:t>
             </a:r>
             <a:r>
               <a:rPr lang="en-US" dirty="0">
                 <a:latin typeface="+mn-lt"/>
                 <a:cs typeface="Courier New" panose="02070309020205020404" pitchFamily="49" charset="0"/>
               </a:rPr>
-              <a:t>–</a:t>
-            </a:r>
-            <a:r>
-              <a:rPr lang="en-US" dirty="0">
-                <a:latin typeface="+mn-lt"/>
-              </a:rPr>
-              <a:t> </a:t>
-            </a:r>
-            <a:r>
-              <a:rPr lang="en-US" dirty="0"/>
-              <a:t>orders the RDD</a:t>
-            </a:r>
-          </a:p>
-          <a:p>
-            <a:pPr lvl="2"/>
-            <a:r>
-              <a:rPr lang="en-US" dirty="0">
-                <a:latin typeface="Courier New" panose="02070309020205020404" pitchFamily="49" charset="0"/>
-                <a:cs typeface="Courier New" panose="02070309020205020404" pitchFamily="49" charset="0"/>
-              </a:rPr>
-              <a:t>rdd.groupBy() </a:t>
-            </a:r>
-            <a:r>
-              <a:rPr lang="en-US" dirty="0">
-                <a:latin typeface="+mn-lt"/>
-                <a:cs typeface="Courier New" panose="02070309020205020404" pitchFamily="49" charset="0"/>
-              </a:rPr>
-              <a:t>–</a:t>
-            </a:r>
-            <a:r>
-              <a:rPr lang="en-US" dirty="0"/>
-              <a:t> accumulates items with a key into a tuple of the key and list of the items</a:t>
-            </a:r>
-          </a:p>
-          <a:p>
-            <a:pPr lvl="2"/>
-            <a:r>
-              <a:rPr lang="en-US" dirty="0">
-                <a:latin typeface="Courier New" panose="02070309020205020404" pitchFamily="49" charset="0"/>
-                <a:cs typeface="Courier New" panose="02070309020205020404" pitchFamily="49" charset="0"/>
-              </a:rPr>
-              <a:t>rdd.reduce() </a:t>
-            </a:r>
-            <a:r>
-              <a:rPr lang="en-US" dirty="0">
-                <a:latin typeface="+mn-lt"/>
-                <a:cs typeface="Courier New" panose="02070309020205020404" pitchFamily="49" charset="0"/>
-              </a:rPr>
-              <a:t>–</a:t>
-            </a:r>
-            <a:r>
-              <a:rPr lang="en-US" dirty="0">
-                <a:latin typeface="+mn-lt"/>
-              </a:rPr>
-              <a:t> </a:t>
-            </a:r>
-            <a:r>
-              <a:rPr lang="en-US" dirty="0"/>
-              <a:t>runs a function on items for a key to return an aggregated value</a:t>
-            </a:r>
-          </a:p>
-          <a:p>
-            <a:pPr lvl="2"/>
-            <a:r>
-              <a:rPr lang="en-US" dirty="0">
-                <a:latin typeface="Courier New" panose="02070309020205020404" pitchFamily="49" charset="0"/>
-                <a:cs typeface="Courier New" panose="02070309020205020404" pitchFamily="49" charset="0"/>
-              </a:rPr>
-              <a:t>rdd.join() </a:t>
-            </a:r>
-            <a:r>
-              <a:rPr lang="en-US" dirty="0">
-                <a:latin typeface="+mn-lt"/>
-                <a:cs typeface="Courier New" panose="02070309020205020404" pitchFamily="49" charset="0"/>
-              </a:rPr>
-              <a:t>–</a:t>
-            </a:r>
-            <a:r>
-              <a:rPr lang="en-US" dirty="0">
-                <a:latin typeface="+mn-lt"/>
-              </a:rPr>
-              <a:t> </a:t>
-            </a:r>
-            <a:r>
-              <a:rPr lang="en-US" dirty="0"/>
-              <a:t>matches elements in one RDD to another</a:t>
-            </a:r>
-          </a:p>
-          <a:p>
-            <a:pPr lvl="2"/>
-            <a:endParaRPr lang="en-US" dirty="0"/>
+              <a:t>– </a:t>
+            </a:r>
+            <a:r>
+              <a:rPr lang="en-US" dirty="0"/>
+              <a:t>saves the RDD as a Python pickle file</a:t>
+            </a:r>
+          </a:p>
+          <a:p>
+            <a:r>
+              <a:rPr lang="en-US" dirty="0"/>
+              <a:t>Typically most of these are no longer used in favor of </a:t>
+            </a:r>
+            <a:r>
+              <a:rPr lang="en-US" dirty="0" err="1"/>
+              <a:t>DataFrame</a:t>
+            </a:r>
+            <a:r>
+              <a:rPr lang="en-US" dirty="0"/>
+              <a:t> write options which are more rich</a:t>
+            </a:r>
+          </a:p>
+        </p:txBody>
+      </p:sp>
+      <p:sp>
+        <p:nvSpPr>
+          <p:cNvPr id="2" name="Title 1"/>
+          <p:cNvSpPr>
+            <a:spLocks noGrp="1"/>
+          </p:cNvSpPr>
+          <p:nvPr>
+            <p:ph type="title"/>
+          </p:nvPr>
+        </p:nvSpPr>
+        <p:spPr/>
+        <p:txBody>
+          <a:bodyPr/>
+          <a:lstStyle/>
+          <a:p>
+            <a:r>
+              <a:rPr lang="en-US" dirty="0"/>
+              <a:t>Saving Data</a:t>
+            </a:r>
           </a:p>
         </p:txBody>
       </p:sp>
     </p:spTree>
     <p:extLst>
       <p:ext uri="{BB962C8B-B14F-4D97-AF65-F5344CB8AC3E}">
-        <p14:creationId xmlns:p14="http://schemas.microsoft.com/office/powerpoint/2010/main" val="3750436909"/>
+        <p14:creationId xmlns:p14="http://schemas.microsoft.com/office/powerpoint/2010/main" val="1414255862"/>
       </p:ext>
     </p:extLst>
   </p:cSld>
@@ -12326,13 +12260,29 @@
       </p:grpSpPr>
       <p:sp>
         <p:nvSpPr>
-          <p:cNvPr id="5" name="Content Placeholder 4">
-            <a:extLst>
-              <a:ext uri="{FF2B5EF4-FFF2-40B4-BE49-F238E27FC236}">
-                <a16:creationId xmlns:a16="http://schemas.microsoft.com/office/drawing/2014/main" id="{2D70B215-4C26-49BB-8FE4-7D1CDCD1728C}"/>
-              </a:ext>
-            </a:extLst>
-          </p:cNvPr>
+          <p:cNvPr id="2" name="Title 1"/>
+          <p:cNvSpPr>
+            <a:spLocks noGrp="1"/>
+          </p:cNvSpPr>
+          <p:nvPr>
+            <p:ph type="title"/>
+          </p:nvPr>
+        </p:nvSpPr>
+        <p:spPr/>
+        <p:txBody>
+          <a:bodyPr/>
+          <a:lstStyle/>
+          <a:p>
+            <a:r>
+              <a:rPr lang="en-US" dirty="0"/>
+              <a:t>Transformations</a:t>
+            </a:r>
+          </a:p>
+        </p:txBody>
+      </p:sp>
+      <p:sp>
+        <p:nvSpPr>
+          <p:cNvPr id="3" name="Content Placeholder 2"/>
           <p:cNvSpPr>
             <a:spLocks noGrp="1"/>
           </p:cNvSpPr>
@@ -12342,8 +12292,8 @@
         </p:nvSpPr>
         <p:spPr>
           <a:xfrm>
-            <a:off x="581025" y="1155614"/>
-            <a:ext cx="8458472" cy="5072616"/>
+            <a:off x="392911" y="917557"/>
+            <a:ext cx="8590667" cy="4986911"/>
           </a:xfrm>
         </p:spPr>
         <p:txBody>
@@ -12352,134 +12302,257 @@
           <a:p>
             <a:r>
               <a:rPr lang="en-US" dirty="0"/>
-              <a:t>Many actions and transformations take a function as a parameter to allow customization of how the method works</a:t>
-            </a:r>
-          </a:p>
-          <a:p>
-            <a:r>
-              <a:rPr lang="en-US" dirty="0"/>
-              <a:t>You could pass it a function name if you have one defined, but in many cases the functions are trivial</a:t>
-            </a:r>
-          </a:p>
-          <a:p>
-            <a:r>
-              <a:rPr lang="en-US" dirty="0"/>
-              <a:t>Python allows you to create a function on the fly that can be passed as a parameter without the need to create the function in advance</a:t>
-            </a:r>
-          </a:p>
-          <a:p>
-            <a:r>
-              <a:rPr lang="en-US" dirty="0"/>
-              <a:t>If all you need to do is create a simple function that takes one or more parameters and return a calculation that can be done in a single statement, then a lambda is a good choice</a:t>
-            </a:r>
-          </a:p>
-          <a:p>
-            <a:pPr marL="0" indent="0">
-              <a:buNone/>
-            </a:pPr>
+              <a:t>Transformations are used to create a recipe of changes you want to make to the data</a:t>
+            </a:r>
+          </a:p>
+          <a:p>
+            <a:pPr lvl="1"/>
+            <a:r>
+              <a:rPr lang="en-US" dirty="0"/>
+              <a:t>String parsing, data conversion, calculations</a:t>
+            </a:r>
+          </a:p>
+          <a:p>
+            <a:pPr lvl="1"/>
+            <a:r>
+              <a:rPr lang="en-US" dirty="0"/>
+              <a:t>Filtering</a:t>
+            </a:r>
+          </a:p>
+          <a:p>
+            <a:pPr lvl="1"/>
+            <a:r>
+              <a:rPr lang="en-US" dirty="0"/>
+              <a:t>Matching</a:t>
+            </a:r>
+          </a:p>
+          <a:p>
+            <a:pPr lvl="1"/>
+            <a:r>
+              <a:rPr lang="en-US" dirty="0"/>
+              <a:t>Sorting</a:t>
+            </a:r>
+          </a:p>
+          <a:p>
+            <a:pPr lvl="1"/>
+            <a:r>
+              <a:rPr lang="en-US" dirty="0"/>
+              <a:t>Aggregating</a:t>
+            </a:r>
+          </a:p>
+          <a:p>
+            <a:r>
+              <a:rPr lang="en-US" dirty="0"/>
+              <a:t>Some useful transformations:</a:t>
+            </a:r>
+          </a:p>
+          <a:p>
+            <a:pPr lvl="1"/>
+            <a:r>
+              <a:rPr lang="en-US" dirty="0"/>
+              <a:t>Narrow transformations</a:t>
+            </a:r>
+          </a:p>
+          <a:p>
+            <a:pPr lvl="2"/>
             <a:r>
               <a:rPr lang="en-US" dirty="0">
                 <a:latin typeface="Courier New" panose="02070309020205020404" pitchFamily="49" charset="0"/>
                 <a:cs typeface="Courier New" panose="02070309020205020404" pitchFamily="49" charset="0"/>
               </a:rPr>
-              <a:t>  def isEven(x):</a:t>
-            </a:r>
-            <a:br>
+              <a:t>rdd.map() </a:t>
+            </a:r>
+            <a:r>
+              <a:rPr lang="en-US" dirty="0">
+                <a:latin typeface="+mn-lt"/>
+                <a:cs typeface="Courier New" panose="02070309020205020404" pitchFamily="49" charset="0"/>
+              </a:rPr>
+              <a:t>–</a:t>
+            </a:r>
+            <a:r>
+              <a:rPr lang="en-US" dirty="0">
+                <a:latin typeface="+mn-lt"/>
+              </a:rPr>
+              <a:t> </a:t>
+            </a:r>
+            <a:r>
+              <a:rPr lang="en-US" dirty="0"/>
+              <a:t>applies a function to each element of the RDD</a:t>
+            </a:r>
+          </a:p>
+          <a:p>
+            <a:pPr lvl="2"/>
+            <a:r>
               <a:rPr lang="en-US" dirty="0">
                 <a:latin typeface="Courier New" panose="02070309020205020404" pitchFamily="49" charset="0"/>
                 <a:cs typeface="Courier New" panose="02070309020205020404" pitchFamily="49" charset="0"/>
               </a:rPr>
-            </a:br>
+              <a:t>rdd.flatMap() </a:t>
+            </a:r>
+            <a:r>
+              <a:rPr lang="en-US" dirty="0">
+                <a:latin typeface="+mn-lt"/>
+                <a:cs typeface="Courier New" panose="02070309020205020404" pitchFamily="49" charset="0"/>
+              </a:rPr>
+              <a:t>–</a:t>
+            </a:r>
+            <a:r>
+              <a:rPr lang="en-US" dirty="0">
+                <a:latin typeface="+mn-lt"/>
+              </a:rPr>
+              <a:t> </a:t>
+            </a:r>
+            <a:r>
+              <a:rPr lang="en-US" dirty="0"/>
+              <a:t>applies a function and flattens the elements</a:t>
+            </a:r>
+          </a:p>
+          <a:p>
+            <a:pPr lvl="2"/>
             <a:r>
               <a:rPr lang="en-US" dirty="0">
                 <a:latin typeface="Courier New" panose="02070309020205020404" pitchFamily="49" charset="0"/>
                 <a:cs typeface="Courier New" panose="02070309020205020404" pitchFamily="49" charset="0"/>
               </a:rPr>
-              <a:t>      return x % 2</a:t>
-            </a:r>
-            <a:br>
+              <a:t>rdd.filter() </a:t>
+            </a:r>
+            <a:r>
+              <a:rPr lang="en-US" dirty="0">
+                <a:latin typeface="+mn-lt"/>
+                <a:cs typeface="Courier New" panose="02070309020205020404" pitchFamily="49" charset="0"/>
+              </a:rPr>
+              <a:t>–</a:t>
+            </a:r>
+            <a:r>
+              <a:rPr lang="en-US" dirty="0">
+                <a:latin typeface="+mn-lt"/>
+              </a:rPr>
+              <a:t> </a:t>
+            </a:r>
+            <a:r>
+              <a:rPr lang="en-US" dirty="0"/>
+              <a:t>applies a function to determine if an element is returned</a:t>
+            </a:r>
+          </a:p>
+          <a:p>
+            <a:pPr lvl="1"/>
+            <a:r>
+              <a:rPr lang="en-US" dirty="0"/>
+              <a:t>Wide transformations</a:t>
+            </a:r>
+          </a:p>
+          <a:p>
+            <a:pPr lvl="2"/>
+            <a:r>
               <a:rPr lang="en-US" dirty="0">
                 <a:latin typeface="Courier New" panose="02070309020205020404" pitchFamily="49" charset="0"/>
                 <a:cs typeface="Courier New" panose="02070309020205020404" pitchFamily="49" charset="0"/>
               </a:rPr>
-            </a:br>
+              <a:t>rdd.sort() </a:t>
+            </a:r>
+            <a:r>
+              <a:rPr lang="en-US" dirty="0">
+                <a:latin typeface="+mn-lt"/>
+                <a:cs typeface="Courier New" panose="02070309020205020404" pitchFamily="49" charset="0"/>
+              </a:rPr>
+              <a:t>–</a:t>
+            </a:r>
+            <a:r>
+              <a:rPr lang="en-US" dirty="0">
+                <a:latin typeface="+mn-lt"/>
+              </a:rPr>
+              <a:t> </a:t>
+            </a:r>
+            <a:r>
+              <a:rPr lang="en-US" dirty="0"/>
+              <a:t>orders the RDD</a:t>
+            </a:r>
+          </a:p>
+          <a:p>
+            <a:pPr lvl="2"/>
             <a:r>
               <a:rPr lang="en-US" dirty="0">
                 <a:latin typeface="Courier New" panose="02070309020205020404" pitchFamily="49" charset="0"/>
                 <a:cs typeface="Courier New" panose="02070309020205020404" pitchFamily="49" charset="0"/>
               </a:rPr>
-              <a:t>  isEven = lambda x : x % 2</a:t>
-            </a:r>
-          </a:p>
-          <a:p>
-            <a:pPr marL="0" indent="0">
-              <a:buNone/>
-            </a:pPr>
+              <a:t>rdd.groupBy() </a:t>
+            </a:r>
+            <a:r>
+              <a:rPr lang="en-US" dirty="0">
+                <a:latin typeface="+mn-lt"/>
+                <a:cs typeface="Courier New" panose="02070309020205020404" pitchFamily="49" charset="0"/>
+              </a:rPr>
+              <a:t>–</a:t>
+            </a:r>
+            <a:r>
+              <a:rPr lang="en-US" dirty="0"/>
+              <a:t> accumulates items with a key into a tuple of the key and list of the items</a:t>
+            </a:r>
+          </a:p>
+          <a:p>
+            <a:pPr lvl="2"/>
             <a:r>
               <a:rPr lang="en-US" dirty="0">
                 <a:latin typeface="Courier New" panose="02070309020205020404" pitchFamily="49" charset="0"/>
                 <a:cs typeface="Courier New" panose="02070309020205020404" pitchFamily="49" charset="0"/>
               </a:rPr>
-              <a:t>  rdd.filter(isEven)</a:t>
-            </a:r>
-            <a:br>
+              <a:t>rdd.reduce() </a:t>
+            </a:r>
+            <a:r>
+              <a:rPr lang="en-US" dirty="0">
+                <a:latin typeface="+mn-lt"/>
+                <a:cs typeface="Courier New" panose="02070309020205020404" pitchFamily="49" charset="0"/>
+              </a:rPr>
+              <a:t>–</a:t>
+            </a:r>
+            <a:r>
+              <a:rPr lang="en-US" dirty="0">
+                <a:latin typeface="+mn-lt"/>
+              </a:rPr>
+              <a:t> </a:t>
+            </a:r>
+            <a:r>
+              <a:rPr lang="en-US" dirty="0"/>
+              <a:t>runs a function on items for a key to return an aggregated value</a:t>
+            </a:r>
+          </a:p>
+          <a:p>
+            <a:pPr lvl="2"/>
+            <a:r>
               <a:rPr lang="en-US" dirty="0">
                 <a:latin typeface="Courier New" panose="02070309020205020404" pitchFamily="49" charset="0"/>
                 <a:cs typeface="Courier New" panose="02070309020205020404" pitchFamily="49" charset="0"/>
               </a:rPr>
-            </a:br>
+              <a:t>rdd.join() </a:t>
+            </a:r>
             <a:r>
               <a:rPr lang="en-US" dirty="0">
-                <a:latin typeface="Courier New" panose="02070309020205020404" pitchFamily="49" charset="0"/>
+                <a:latin typeface="+mn-lt"/>
                 <a:cs typeface="Courier New" panose="02070309020205020404" pitchFamily="49" charset="0"/>
               </a:rPr>
-              <a:t>  rdd.filter(lambda x: x % 2)</a:t>
-            </a:r>
-            <a:br>
+              <a:t>–</a:t>
+            </a:r>
+            <a:r>
               <a:rPr lang="en-US" dirty="0">
-                <a:latin typeface="Courier New" panose="02070309020205020404" pitchFamily="49" charset="0"/>
-                <a:cs typeface="Courier New" panose="02070309020205020404" pitchFamily="49" charset="0"/>
+                <a:latin typeface="+mn-lt"/>
               </a:rPr>
-            </a:br>
-            <a:r>
-              <a:rPr lang="en-US" dirty="0">
-                <a:latin typeface="Courier New" panose="02070309020205020404" pitchFamily="49" charset="0"/>
-                <a:cs typeface="Courier New" panose="02070309020205020404" pitchFamily="49" charset="0"/>
-              </a:rPr>
-              <a:t>  sc.parallelize(range(1, 11)).sortBy(lambda x : (x % 2, x))</a:t>
-            </a:r>
-          </a:p>
-          <a:p>
+              <a:t> </a:t>
+            </a:r>
+            <a:r>
+              <a:rPr lang="en-US" dirty="0"/>
+              <a:t>matches elements in one RDD to another</a:t>
+            </a:r>
+          </a:p>
+          <a:p>
+            <a:pPr lvl="2"/>
             <a:endParaRPr lang="en-US" dirty="0"/>
-          </a:p>
-        </p:txBody>
-      </p:sp>
-      <p:sp>
-        <p:nvSpPr>
-          <p:cNvPr id="2" name="Title 1"/>
-          <p:cNvSpPr>
-            <a:spLocks noGrp="1"/>
-          </p:cNvSpPr>
-          <p:nvPr>
-            <p:ph type="title"/>
-          </p:nvPr>
-        </p:nvSpPr>
-        <p:spPr/>
-        <p:txBody>
-          <a:bodyPr/>
-          <a:lstStyle/>
-          <a:p>
-            <a:r>
-              <a:rPr lang="en-US" dirty="0"/>
-              <a:t>Lambda</a:t>
-            </a:r>
           </a:p>
         </p:txBody>
       </p:sp>
     </p:spTree>
     <p:extLst>
       <p:ext uri="{BB962C8B-B14F-4D97-AF65-F5344CB8AC3E}">
-        <p14:creationId xmlns:p14="http://schemas.microsoft.com/office/powerpoint/2010/main" val="3129580946"/>
+        <p14:creationId xmlns:p14="http://schemas.microsoft.com/office/powerpoint/2010/main" val="3750436909"/>
       </p:ext>
     </p:extLst>
   </p:cSld>
@@ -12508,12 +12581,142 @@
       </p:grpSpPr>
       <p:sp>
         <p:nvSpPr>
-          <p:cNvPr id="3" name="Content Placeholder 2"/>
+          <p:cNvPr id="5" name="Content Placeholder 4">
+            <a:extLst>
+              <a:ext uri="{FF2B5EF4-FFF2-40B4-BE49-F238E27FC236}">
+                <a16:creationId xmlns:a16="http://schemas.microsoft.com/office/drawing/2014/main" id="{2D70B215-4C26-49BB-8FE4-7D1CDCD1728C}"/>
+              </a:ext>
+            </a:extLst>
+          </p:cNvPr>
           <p:cNvSpPr>
             <a:spLocks noGrp="1"/>
           </p:cNvSpPr>
           <p:nvPr>
             <p:ph idx="1"/>
+          </p:nvPr>
+        </p:nvSpPr>
+        <p:spPr>
+          <a:xfrm>
+            <a:off x="581025" y="1155614"/>
+            <a:ext cx="8458472" cy="5072616"/>
+          </a:xfrm>
+        </p:spPr>
+        <p:txBody>
+          <a:bodyPr/>
+          <a:lstStyle/>
+          <a:p>
+            <a:r>
+              <a:rPr lang="en-US" dirty="0"/>
+              <a:t>Many actions and transformations take a function as a parameter to allow customization of how the method works</a:t>
+            </a:r>
+          </a:p>
+          <a:p>
+            <a:r>
+              <a:rPr lang="en-US" dirty="0"/>
+              <a:t>You could pass it a function name if you have one defined, but in many cases the functions are trivial</a:t>
+            </a:r>
+          </a:p>
+          <a:p>
+            <a:r>
+              <a:rPr lang="en-US" dirty="0"/>
+              <a:t>Python allows you to create a function on the fly that can be passed as a parameter without the need to create the function in advance</a:t>
+            </a:r>
+          </a:p>
+          <a:p>
+            <a:r>
+              <a:rPr lang="en-US" dirty="0"/>
+              <a:t>If all you need to do is create a simple function that takes one or more parameters and return a calculation that can be done in a single statement, then a lambda is a good choice</a:t>
+            </a:r>
+          </a:p>
+          <a:p>
+            <a:pPr marL="0" indent="0">
+              <a:buNone/>
+            </a:pPr>
+            <a:r>
+              <a:rPr lang="en-US" dirty="0">
+                <a:latin typeface="Courier New" panose="02070309020205020404" pitchFamily="49" charset="0"/>
+                <a:cs typeface="Courier New" panose="02070309020205020404" pitchFamily="49" charset="0"/>
+              </a:rPr>
+              <a:t>  def isEven(x):</a:t>
+            </a:r>
+            <a:br>
+              <a:rPr lang="en-US" dirty="0">
+                <a:latin typeface="Courier New" panose="02070309020205020404" pitchFamily="49" charset="0"/>
+                <a:cs typeface="Courier New" panose="02070309020205020404" pitchFamily="49" charset="0"/>
+              </a:rPr>
+            </a:br>
+            <a:r>
+              <a:rPr lang="en-US" dirty="0">
+                <a:latin typeface="Courier New" panose="02070309020205020404" pitchFamily="49" charset="0"/>
+                <a:cs typeface="Courier New" panose="02070309020205020404" pitchFamily="49" charset="0"/>
+              </a:rPr>
+              <a:t>      return x % 2</a:t>
+            </a:r>
+            <a:br>
+              <a:rPr lang="en-US" dirty="0">
+                <a:latin typeface="Courier New" panose="02070309020205020404" pitchFamily="49" charset="0"/>
+                <a:cs typeface="Courier New" panose="02070309020205020404" pitchFamily="49" charset="0"/>
+              </a:rPr>
+            </a:br>
+            <a:r>
+              <a:rPr lang="en-US" dirty="0">
+                <a:latin typeface="Courier New" panose="02070309020205020404" pitchFamily="49" charset="0"/>
+                <a:cs typeface="Courier New" panose="02070309020205020404" pitchFamily="49" charset="0"/>
+              </a:rPr>
+              <a:t>  isEven = lambda x : x % 2</a:t>
+            </a:r>
+          </a:p>
+          <a:p>
+            <a:pPr marL="0" indent="0">
+              <a:buNone/>
+            </a:pPr>
+            <a:r>
+              <a:rPr lang="en-US" dirty="0">
+                <a:latin typeface="Courier New" panose="02070309020205020404" pitchFamily="49" charset="0"/>
+                <a:cs typeface="Courier New" panose="02070309020205020404" pitchFamily="49" charset="0"/>
+              </a:rPr>
+              <a:t>  rdd.filter(isEven)</a:t>
+            </a:r>
+            <a:br>
+              <a:rPr lang="en-US" dirty="0">
+                <a:latin typeface="Courier New" panose="02070309020205020404" pitchFamily="49" charset="0"/>
+                <a:cs typeface="Courier New" panose="02070309020205020404" pitchFamily="49" charset="0"/>
+              </a:rPr>
+            </a:br>
+            <a:r>
+              <a:rPr lang="en-US" dirty="0">
+                <a:latin typeface="Courier New" panose="02070309020205020404" pitchFamily="49" charset="0"/>
+                <a:cs typeface="Courier New" panose="02070309020205020404" pitchFamily="49" charset="0"/>
+              </a:rPr>
+              <a:t>  rdd.filter(lambda x: x % 2)</a:t>
+            </a:r>
+            <a:br>
+              <a:rPr lang="en-US" dirty="0">
+                <a:latin typeface="Courier New" panose="02070309020205020404" pitchFamily="49" charset="0"/>
+                <a:cs typeface="Courier New" panose="02070309020205020404" pitchFamily="49" charset="0"/>
+              </a:rPr>
+            </a:br>
+            <a:r>
+              <a:rPr lang="en-US" dirty="0">
+                <a:latin typeface="Courier New" panose="02070309020205020404" pitchFamily="49" charset="0"/>
+                <a:cs typeface="Courier New" panose="02070309020205020404" pitchFamily="49" charset="0"/>
+              </a:rPr>
+              <a:t>  sc.parallelize(range(1, 11)).sortBy(lambda x : (x % 2, x))</a:t>
+            </a:r>
+          </a:p>
+          <a:p>
+            <a:endParaRPr lang="en-US" dirty="0"/>
+          </a:p>
+        </p:txBody>
+      </p:sp>
+      <p:sp>
+        <p:nvSpPr>
+          <p:cNvPr id="2" name="Title 1"/>
+          <p:cNvSpPr>
+            <a:spLocks noGrp="1"/>
+          </p:cNvSpPr>
+          <p:nvPr>
+            <p:ph type="title"/>
           </p:nvPr>
         </p:nvSpPr>
         <p:spPr/>
@@ -12521,92 +12724,9 @@
           <a:bodyPr/>
           <a:lstStyle/>
           <a:p>
-            <a:pPr marL="0" indent="0">
-              <a:buNone/>
-            </a:pPr>
-            <a:r>
-              <a:rPr lang="en-US" dirty="0"/>
-              <a:t>The </a:t>
-            </a:r>
-            <a:r>
-              <a:rPr lang="en-US" dirty="0">
-                <a:latin typeface="Courier New" panose="02070309020205020404" pitchFamily="49" charset="0"/>
-                <a:cs typeface="Courier New" panose="02070309020205020404" pitchFamily="49" charset="0"/>
-              </a:rPr>
-              <a:t>creditcard.csv</a:t>
-            </a:r>
-            <a:r>
-              <a:rPr lang="en-US" dirty="0"/>
-              <a:t> dataset provides sample data on credit card transactions.</a:t>
-            </a:r>
-          </a:p>
-          <a:p>
-            <a:r>
-              <a:rPr lang="en-US" dirty="0"/>
-              <a:t>Load the file into HDFS</a:t>
-            </a:r>
-          </a:p>
-          <a:p>
-            <a:r>
-              <a:rPr lang="en-US" dirty="0"/>
-              <a:t>Load the file into an RDD</a:t>
-            </a:r>
-          </a:p>
-          <a:p>
-            <a:r>
-              <a:rPr lang="en-US" dirty="0"/>
-              <a:t>Parse the file into a tuple or namedtuple or dictionary</a:t>
-            </a:r>
-          </a:p>
-          <a:p>
-            <a:pPr lvl="1"/>
-            <a:r>
-              <a:rPr lang="en-US" dirty="0"/>
-              <a:t>Make sure to convert columns to the right data types</a:t>
-            </a:r>
-          </a:p>
-          <a:p>
-            <a:pPr lvl="1"/>
-            <a:r>
-              <a:rPr lang="en-US" dirty="0"/>
-              <a:t>You can ignore any columns you don’t need for the solution</a:t>
-            </a:r>
-          </a:p>
-          <a:p>
-            <a:r>
-              <a:rPr lang="en-US" dirty="0"/>
-              <a:t>Filter the data to show only transactions made by women</a:t>
-            </a:r>
-          </a:p>
-          <a:p>
-            <a:r>
-              <a:rPr lang="en-US" dirty="0"/>
-              <a:t>Calculate the amount spent in each city</a:t>
-            </a:r>
-          </a:p>
-          <a:p>
-            <a:endParaRPr lang="en-US" dirty="0"/>
-          </a:p>
-        </p:txBody>
-      </p:sp>
-      <p:sp>
-        <p:nvSpPr>
-          <p:cNvPr id="2" name="Title 1"/>
-          <p:cNvSpPr>
-            <a:spLocks noGrp="1"/>
-          </p:cNvSpPr>
-          <p:nvPr>
-            <p:ph type="title"/>
-          </p:nvPr>
-        </p:nvSpPr>
-        <p:spPr/>
-        <p:txBody>
-          <a:bodyPr/>
-          <a:lstStyle/>
-          <a:p>
-            <a:r>
-              <a:rPr lang="en-US" dirty="0"/>
-              <a:t>Project</a:t>
+            <a:r>
+              <a:rPr lang="en-US" dirty="0"/>
+              <a:t>Lambda</a:t>
             </a:r>
           </a:p>
         </p:txBody>
@@ -12614,7 +12734,7 @@
     </p:spTree>
     <p:extLst>
       <p:ext uri="{BB962C8B-B14F-4D97-AF65-F5344CB8AC3E}">
-        <p14:creationId xmlns:p14="http://schemas.microsoft.com/office/powerpoint/2010/main" val="1148082936"/>
+        <p14:creationId xmlns:p14="http://schemas.microsoft.com/office/powerpoint/2010/main" val="3129580946"/>
       </p:ext>
     </p:extLst>
   </p:cSld>
@@ -12713,7 +12833,7 @@
           <a:p>
             <a:r>
               <a:rPr lang="en-US" dirty="0"/>
-              <a:t>Can be used as a standalone general purpose file system, but relaxes certain POSIX filesystem requirements</a:t>
+              <a:t>Can be used as a standalone general purpose file system</a:t>
             </a:r>
           </a:p>
           <a:p>
@@ -12839,6 +12959,141 @@
             </a:pPr>
             <a:r>
               <a:rPr lang="en-US" dirty="0"/>
+              <a:t>The </a:t>
+            </a:r>
+            <a:r>
+              <a:rPr lang="en-US" dirty="0">
+                <a:latin typeface="Courier New" panose="02070309020205020404" pitchFamily="49" charset="0"/>
+                <a:cs typeface="Courier New" panose="02070309020205020404" pitchFamily="49" charset="0"/>
+              </a:rPr>
+              <a:t>creditcard.csv</a:t>
+            </a:r>
+            <a:r>
+              <a:rPr lang="en-US" dirty="0"/>
+              <a:t> dataset provides sample data on credit card transactions.</a:t>
+            </a:r>
+          </a:p>
+          <a:p>
+            <a:r>
+              <a:rPr lang="en-US" dirty="0"/>
+              <a:t>Load the file into HDFS</a:t>
+            </a:r>
+          </a:p>
+          <a:p>
+            <a:r>
+              <a:rPr lang="en-US" dirty="0"/>
+              <a:t>Load the file into an RDD</a:t>
+            </a:r>
+          </a:p>
+          <a:p>
+            <a:r>
+              <a:rPr lang="en-US" dirty="0"/>
+              <a:t>Parse the file into a tuple or namedtuple or dictionary</a:t>
+            </a:r>
+          </a:p>
+          <a:p>
+            <a:pPr lvl="1"/>
+            <a:r>
+              <a:rPr lang="en-US" dirty="0"/>
+              <a:t>Make sure to convert columns to the right data types</a:t>
+            </a:r>
+          </a:p>
+          <a:p>
+            <a:pPr lvl="1"/>
+            <a:r>
+              <a:rPr lang="en-US" dirty="0"/>
+              <a:t>You can ignore any columns you don’t need for the solution</a:t>
+            </a:r>
+          </a:p>
+          <a:p>
+            <a:r>
+              <a:rPr lang="en-US" dirty="0"/>
+              <a:t>Filter the data to show only transactions made by women</a:t>
+            </a:r>
+          </a:p>
+          <a:p>
+            <a:r>
+              <a:rPr lang="en-US" dirty="0"/>
+              <a:t>Calculate the amount spent in each city</a:t>
+            </a:r>
+          </a:p>
+          <a:p>
+            <a:endParaRPr lang="en-US" dirty="0"/>
+          </a:p>
+        </p:txBody>
+      </p:sp>
+      <p:sp>
+        <p:nvSpPr>
+          <p:cNvPr id="2" name="Title 1"/>
+          <p:cNvSpPr>
+            <a:spLocks noGrp="1"/>
+          </p:cNvSpPr>
+          <p:nvPr>
+            <p:ph type="title"/>
+          </p:nvPr>
+        </p:nvSpPr>
+        <p:spPr/>
+        <p:txBody>
+          <a:bodyPr/>
+          <a:lstStyle/>
+          <a:p>
+            <a:r>
+              <a:rPr lang="en-US" dirty="0"/>
+              <a:t>Project</a:t>
+            </a:r>
+          </a:p>
+        </p:txBody>
+      </p:sp>
+    </p:spTree>
+    <p:extLst>
+      <p:ext uri="{BB962C8B-B14F-4D97-AF65-F5344CB8AC3E}">
+        <p14:creationId xmlns:p14="http://schemas.microsoft.com/office/powerpoint/2010/main" val="1148082936"/>
+      </p:ext>
+    </p:extLst>
+  </p:cSld>
+  <p:clrMapOvr>
+    <a:masterClrMapping/>
+  </p:clrMapOvr>
+</p:sld>
+</file>
+
+<file path=ppt/slides/slide31.xml><?xml version="1.0" encoding="utf-8"?>
+<p:sld xmlns:a="http://schemas.openxmlformats.org/drawingml/2006/main" xmlns:r="http://schemas.openxmlformats.org/officeDocument/2006/relationships" xmlns:p="http://schemas.openxmlformats.org/presentationml/2006/main">
+  <p:cSld>
+    <p:spTree>
+      <p:nvGrpSpPr>
+        <p:cNvPr id="1" name=""/>
+        <p:cNvGrpSpPr/>
+        <p:nvPr/>
+      </p:nvGrpSpPr>
+      <p:grpSpPr>
+        <a:xfrm>
+          <a:off x="0" y="0"/>
+          <a:ext cx="0" cy="0"/>
+          <a:chOff x="0" y="0"/>
+          <a:chExt cx="0" cy="0"/>
+        </a:xfrm>
+      </p:grpSpPr>
+      <p:sp>
+        <p:nvSpPr>
+          <p:cNvPr id="3" name="Content Placeholder 2"/>
+          <p:cNvSpPr>
+            <a:spLocks noGrp="1"/>
+          </p:cNvSpPr>
+          <p:nvPr>
+            <p:ph idx="1"/>
+          </p:nvPr>
+        </p:nvSpPr>
+        <p:spPr/>
+        <p:txBody>
+          <a:bodyPr/>
+          <a:lstStyle/>
+          <a:p>
+            <a:pPr marL="0" indent="0">
+              <a:buNone/>
+            </a:pPr>
+            <a:r>
+              <a:rPr lang="en-US" dirty="0"/>
               <a:t>In this chapter, we have:</a:t>
             </a:r>
           </a:p>
@@ -13211,7 +13466,7 @@
             </a:pPr>
             <a:r>
               <a:rPr lang="en-US" dirty="0"/>
-              <a:t>The NameNode is the master server </a:t>
+              <a:t>The NameNode is the master server located on one node</a:t>
             </a:r>
           </a:p>
           <a:p>
@@ -13220,18 +13475,18 @@
             </a:pPr>
             <a:r>
               <a:rPr lang="en-US" dirty="0"/>
-              <a:t>Implements a POSIX-like hierarchical file system with ‘</a:t>
+              <a:t>Implements a POSIX-like hierarchical file system with </a:t>
             </a:r>
             <a:r>
               <a:rPr lang="en-US" dirty="0">
                 <a:latin typeface="Courier New" panose="02070309020205020404" pitchFamily="49" charset="0"/>
                 <a:cs typeface="Courier New" panose="02070309020205020404" pitchFamily="49" charset="0"/>
               </a:rPr>
-              <a:t>/</a:t>
-            </a:r>
-            <a:r>
-              <a:rPr lang="en-US" dirty="0"/>
-              <a:t>’ as the root directory</a:t>
+              <a:t>'/'</a:t>
+            </a:r>
+            <a:r>
+              <a:rPr lang="en-US" dirty="0"/>
+              <a:t> as the root directory</a:t>
             </a:r>
           </a:p>
           <a:p>
@@ -13258,7 +13513,7 @@
             </a:pPr>
             <a:r>
               <a:rPr lang="en-US" dirty="0"/>
-              <a:t>The DataNode is the slave server</a:t>
+              <a:t>The DataNode is the worker server located on each node</a:t>
             </a:r>
           </a:p>
           <a:p>
@@ -13354,16 +13609,7 @@
             </a:r>
             <a:r>
               <a:rPr lang="en-US" dirty="0"/>
-              <a:t> with the latest lesson on the VM</a:t>
-            </a:r>
-          </a:p>
-          <a:p>
-            <a:pPr marL="457200" lvl="2" indent="0">
-              <a:buNone/>
-            </a:pPr>
-            <a:r>
-              <a:rPr lang="en-US" dirty="0"/>
-              <a:t>Open a terminal window and type the following commands:</a:t>
+              <a:t> open a terminal window and type the following commands:</a:t>
             </a:r>
             <a:br>
               <a:rPr lang="en-US" dirty="0"/>
@@ -13561,7 +13807,15 @@
           <a:p>
             <a:r>
               <a:rPr lang="en-US" dirty="0"/>
-              <a:t>From a command line, enter the following commands:</a:t>
+              <a:t>From a command line or in the </a:t>
+            </a:r>
+            <a:r>
+              <a:rPr lang="en-US" dirty="0" err="1"/>
+              <a:t>Jupyter</a:t>
+            </a:r>
+            <a:r>
+              <a:rPr lang="en-US" dirty="0"/>
+              <a:t> notebook, try the following commands:</a:t>
             </a:r>
           </a:p>
           <a:p>
@@ -13831,7 +14085,7 @@
             <a:pPr lvl="1"/>
             <a:r>
               <a:rPr lang="en-US" dirty="0"/>
-              <a:t>Spark 2 can perform between 100X and 1000X faster than Hadoop’s default computing engine (MapReduce)</a:t>
+              <a:t>Spark 2 can perform between 10X and 100X faster than Hadoop’s default computing engine (MapReduce)</a:t>
             </a:r>
           </a:p>
           <a:p>
@@ -15248,6 +15502,20 @@
 </file>
 
 <file path=customXml/item1.xml><?xml version="1.0" encoding="utf-8"?>
+<p:properties xmlns:p="http://schemas.microsoft.com/office/2006/metadata/properties" xmlns:xsi="http://www.w3.org/2001/XMLSchema-instance" xmlns:pc="http://schemas.microsoft.com/office/infopath/2007/PartnerControls">
+  <documentManagement>
+    <_dlc_DocId xmlns="037063e9-a85e-4c78-8627-f1a9315663e5">EVEA5JW6U4JV-6-9770</_dlc_DocId>
+    <_dlc_DocIdUrl xmlns="037063e9-a85e-4c78-8627-f1a9315663e5">
+      <Url>https://portal.roitraining.com/Courses/_layouts/DocIdRedir.aspx?ID=EVEA5JW6U4JV-6-9770</Url>
+      <Description>EVEA5JW6U4JV-6-9770</Description>
+    </_dlc_DocIdUrl>
+    <Date_x0020_last_x0020_used xmlns="027ed24f-5970-4294-be5c-0919c5aaa214" xsi:nil="true"/>
+    <Customization_x0020_Information xmlns="027ed24f-5970-4294-be5c-0919c5aaa214" xsi:nil="true"/>
+  </documentManagement>
+</p:properties>
+</file>
+
+<file path=customXml/item2.xml><?xml version="1.0" encoding="utf-8"?>
 <ct:contentTypeSchema xmlns:ct="http://schemas.microsoft.com/office/2006/metadata/contentType" xmlns:ma="http://schemas.microsoft.com/office/2006/metadata/properties/metaAttributes" ct:_="" ma:_="" ma:contentTypeName="Document" ma:contentTypeID="0x0101006B08A054FD435346B287BB258D6D8C2A" ma:contentTypeVersion="2" ma:contentTypeDescription="Create a new document." ma:contentTypeScope="" ma:versionID="6146b90b4382322d8952632f355192b7">
   <xsd:schema xmlns:xsd="http://www.w3.org/2001/XMLSchema" xmlns:xs="http://www.w3.org/2001/XMLSchema" xmlns:p="http://schemas.microsoft.com/office/2006/metadata/properties" xmlns:ns2="027ed24f-5970-4294-be5c-0919c5aaa214" xmlns:ns3="037063e9-a85e-4c78-8627-f1a9315663e5" targetNamespace="http://schemas.microsoft.com/office/2006/metadata/properties" ma:root="true" ma:fieldsID="b5d91f802dafd2e22aeea528efbe2d3e" ns2:_="" ns3:_="">
     <xsd:import namespace="027ed24f-5970-4294-be5c-0919c5aaa214"/>
@@ -15413,30 +15681,7 @@
 </ct:contentTypeSchema>
 </file>
 
-<file path=customXml/item2.xml><?xml version="1.0" encoding="utf-8"?>
-<p:properties xmlns:p="http://schemas.microsoft.com/office/2006/metadata/properties" xmlns:xsi="http://www.w3.org/2001/XMLSchema-instance" xmlns:pc="http://schemas.microsoft.com/office/infopath/2007/PartnerControls">
-  <documentManagement>
-    <_dlc_DocId xmlns="037063e9-a85e-4c78-8627-f1a9315663e5">EVEA5JW6U4JV-6-9770</_dlc_DocId>
-    <_dlc_DocIdUrl xmlns="037063e9-a85e-4c78-8627-f1a9315663e5">
-      <Url>https://portal.roitraining.com/Courses/_layouts/DocIdRedir.aspx?ID=EVEA5JW6U4JV-6-9770</Url>
-      <Description>EVEA5JW6U4JV-6-9770</Description>
-    </_dlc_DocIdUrl>
-    <Date_x0020_last_x0020_used xmlns="027ed24f-5970-4294-be5c-0919c5aaa214" xsi:nil="true"/>
-    <Customization_x0020_Information xmlns="027ed24f-5970-4294-be5c-0919c5aaa214" xsi:nil="true"/>
-  </documentManagement>
-</p:properties>
-</file>
-
 <file path=customXml/item3.xml><?xml version="1.0" encoding="utf-8"?>
-<?mso-contentType ?>
-<FormTemplates xmlns="http://schemas.microsoft.com/sharepoint/v3/contenttype/forms">
-  <Display>DocumentLibraryForm</Display>
-  <Edit>DocumentLibraryForm</Edit>
-  <New>DocumentLibraryForm</New>
-</FormTemplates>
-</file>
-
-<file path=customXml/item4.xml><?xml version="1.0" encoding="utf-8"?>
 <?mso-contentType ?>
 <spe:Receivers xmlns:spe="http://schemas.microsoft.com/sharepoint/events">
   <Receiver>
@@ -15482,7 +15727,27 @@
 </spe:Receivers>
 </file>
 
+<file path=customXml/item4.xml><?xml version="1.0" encoding="utf-8"?>
+<?mso-contentType ?>
+<FormTemplates xmlns="http://schemas.microsoft.com/sharepoint/v3/contenttype/forms">
+  <Display>DocumentLibraryForm</Display>
+  <Edit>DocumentLibraryForm</Edit>
+  <New>DocumentLibraryForm</New>
+</FormTemplates>
+</file>
+
 <file path=customXml/itemProps1.xml><?xml version="1.0" encoding="utf-8"?>
+<ds:datastoreItem xmlns:ds="http://schemas.openxmlformats.org/officeDocument/2006/customXml" ds:itemID="{F47B9207-CE5C-49AD-B414-15CBFA246D65}">
+  <ds:schemaRefs>
+    <ds:schemaRef ds:uri="http://schemas.microsoft.com/office/2006/metadata/properties"/>
+    <ds:schemaRef ds:uri="http://schemas.microsoft.com/office/infopath/2007/PartnerControls"/>
+    <ds:schemaRef ds:uri="037063e9-a85e-4c78-8627-f1a9315663e5"/>
+    <ds:schemaRef ds:uri="027ed24f-5970-4294-be5c-0919c5aaa214"/>
+  </ds:schemaRefs>
+</ds:datastoreItem>
+</file>
+
+<file path=customXml/itemProps2.xml><?xml version="1.0" encoding="utf-8"?>
 <ds:datastoreItem xmlns:ds="http://schemas.openxmlformats.org/officeDocument/2006/customXml" ds:itemID="{B8E0886B-5092-4138-9EEE-28D3BFD5A483}">
   <ds:schemaRefs>
     <ds:schemaRef ds:uri="http://schemas.microsoft.com/office/2006/metadata/contentType"/>
@@ -15501,29 +15766,18 @@
 </ds:datastoreItem>
 </file>
 
-<file path=customXml/itemProps2.xml><?xml version="1.0" encoding="utf-8"?>
-<ds:datastoreItem xmlns:ds="http://schemas.openxmlformats.org/officeDocument/2006/customXml" ds:itemID="{F47B9207-CE5C-49AD-B414-15CBFA246D65}">
+<file path=customXml/itemProps3.xml><?xml version="1.0" encoding="utf-8"?>
+<ds:datastoreItem xmlns:ds="http://schemas.openxmlformats.org/officeDocument/2006/customXml" ds:itemID="{B9043294-8302-4947-B882-02D6486F929C}">
   <ds:schemaRefs>
-    <ds:schemaRef ds:uri="http://schemas.microsoft.com/office/2006/metadata/properties"/>
-    <ds:schemaRef ds:uri="http://schemas.microsoft.com/office/infopath/2007/PartnerControls"/>
-    <ds:schemaRef ds:uri="037063e9-a85e-4c78-8627-f1a9315663e5"/>
-    <ds:schemaRef ds:uri="027ed24f-5970-4294-be5c-0919c5aaa214"/>
+    <ds:schemaRef ds:uri="http://schemas.microsoft.com/sharepoint/events"/>
   </ds:schemaRefs>
 </ds:datastoreItem>
 </file>
 
-<file path=customXml/itemProps3.xml><?xml version="1.0" encoding="utf-8"?>
+<file path=customXml/itemProps4.xml><?xml version="1.0" encoding="utf-8"?>
 <ds:datastoreItem xmlns:ds="http://schemas.openxmlformats.org/officeDocument/2006/customXml" ds:itemID="{2DA015F3-603C-4688-A5F3-81D587DAB8C9}">
   <ds:schemaRefs>
     <ds:schemaRef ds:uri="http://schemas.microsoft.com/sharepoint/v3/contenttype/forms"/>
   </ds:schemaRefs>
 </ds:datastoreItem>
-</file>
-
-<file path=customXml/itemProps4.xml><?xml version="1.0" encoding="utf-8"?>
-<ds:datastoreItem xmlns:ds="http://schemas.openxmlformats.org/officeDocument/2006/customXml" ds:itemID="{B9043294-8302-4947-B882-02D6486F929C}">
-  <ds:schemaRefs>
-    <ds:schemaRef ds:uri="http://schemas.microsoft.com/sharepoint/events"/>
-  </ds:schemaRefs>
-</ds:datastoreItem>
 </file>
--- a/Day1/Day1_IntroToSpark.pptx
+++ b/Day1/Day1_IntroToSpark.pptx
@@ -359,7 +359,7 @@
                 <a:ea typeface="Tahoma" pitchFamily="34" charset="0"/>
                 <a:cs typeface="Tahoma" pitchFamily="34" charset="0"/>
               </a:rPr>
-              <a:t>Chapter 2</a:t>
+              <a:t>Chapter 1</a:t>
             </a:r>
           </a:p>
         </p:txBody>
@@ -749,7 +749,7 @@
                 </a:solidFill>
                 <a:latin typeface="Tahoma" pitchFamily="34" charset="0"/>
               </a:rPr>
-              <a:t>Chapter 2-</a:t>
+              <a:t>Chapter 1-</a:t>
             </a:r>
             <a:fld id="{9C58707A-6F60-4D20-8A8B-4F90B88EA4F7}" type="slidenum">
               <a:rPr lang="en-US" sz="1200" smtClean="0">
@@ -7491,7 +7491,7 @@
                 </a:solidFill>
                 <a:latin typeface="Tahoma" charset="0"/>
               </a:rPr>
-              <a:t>© 2019</a:t>
+              <a:t>© 2020</a:t>
             </a:r>
             <a:r>
               <a:rPr lang="en-US" sz="700" b="0" baseline="0" dirty="0">
@@ -9867,7 +9867,7 @@
             <a:pPr lvl="2"/>
             <a:r>
               <a:rPr lang="en-US" dirty="0"/>
-              <a:t>Written in Python, Java, R or Scala</a:t>
+              <a:t>Written in Python, Java, R, or Scala</a:t>
             </a:r>
           </a:p>
           <a:p>
@@ -10286,7 +10286,7 @@
             </a:pPr>
             <a:r>
               <a:rPr lang="en-US" dirty="0"/>
-              <a:t>In this chapter, we will :</a:t>
+              <a:t>In this chapter, we will:</a:t>
             </a:r>
           </a:p>
           <a:p>
@@ -10491,22 +10491,15 @@
               <a:t> Automatically provided in the shells via the variable </a:t>
             </a:r>
             <a:r>
-              <a:rPr lang="en-US" b="1" dirty="0" err="1">
-                <a:latin typeface="Courier New" panose="02070309020205020404" pitchFamily="49" charset="0"/>
-                <a:cs typeface="Courier New" panose="02070309020205020404" pitchFamily="49" charset="0"/>
-              </a:rPr>
-              <a:t>sc</a:t>
-            </a:r>
-            <a:r>
               <a:rPr lang="en-US" b="1" dirty="0">
                 <a:latin typeface="Courier New" panose="02070309020205020404" pitchFamily="49" charset="0"/>
                 <a:cs typeface="Courier New" panose="02070309020205020404" pitchFamily="49" charset="0"/>
               </a:rPr>
-              <a:t> </a:t>
-            </a:r>
-            <a:r>
-              <a:rPr lang="en-US" dirty="0"/>
-              <a:t>but must make it manually when writing a custom program outside the shell</a:t>
+              <a:t>sc </a:t>
+            </a:r>
+            <a:r>
+              <a:rPr lang="en-US" dirty="0"/>
+              <a:t>but must create it manually when writing a custom program outside the shell</a:t>
             </a:r>
           </a:p>
           <a:p>
@@ -11281,10 +11274,10 @@
           <a:p>
             <a:r>
               <a:rPr lang="en-US" dirty="0"/>
-              <a:t>To write a Python program from scratch you have to initialize </a:t>
-            </a:r>
-            <a:r>
-              <a:rPr lang="en-US" dirty="0" err="1">
+              <a:t>To write a Python program from scratch, you have to initialize </a:t>
+            </a:r>
+            <a:r>
+              <a:rPr lang="en-US" dirty="0">
                 <a:latin typeface="Courier New" panose="02070309020205020404" pitchFamily="49" charset="0"/>
                 <a:cs typeface="Courier New" panose="02070309020205020404" pitchFamily="49" charset="0"/>
               </a:rPr>
@@ -11309,8 +11302,15 @@
           <a:p>
             <a:pPr lvl="1"/>
             <a:r>
-              <a:rPr lang="en-US" dirty="0"/>
-              <a:t>initspark.py is a helper module we wrote that you can copy and use in your own scripts</a:t>
+              <a:rPr lang="en-US" dirty="0">
+                <a:latin typeface="Courier New" panose="02070309020205020404" pitchFamily="49" charset="0"/>
+                <a:cs typeface="Courier New" panose="02070309020205020404" pitchFamily="49" charset="0"/>
+              </a:rPr>
+              <a:t>initspark.py</a:t>
+            </a:r>
+            <a:r>
+              <a:rPr lang="en-US" dirty="0"/>
+              <a:t> is a helper module written so that you can copy and use in your own scripts</a:t>
             </a:r>
           </a:p>
           <a:p>
@@ -11446,7 +11446,7 @@
               <a:t>The </a:t>
             </a:r>
             <a:r>
-              <a:rPr lang="en-US" dirty="0" err="1">
+              <a:rPr lang="en-US" dirty="0">
                 <a:latin typeface="Courier New" panose="02070309020205020404" pitchFamily="49" charset="0"/>
                 <a:cs typeface="Courier New" panose="02070309020205020404" pitchFamily="49" charset="0"/>
               </a:rPr>
@@ -11517,46 +11517,11 @@
               <a:rPr lang="en-US" dirty="0"/>
             </a:br>
             <a:r>
-              <a:rPr lang="en-US" dirty="0" err="1">
-                <a:latin typeface="Courier New" panose="02070309020205020404" pitchFamily="49" charset="0"/>
-                <a:cs typeface="Courier New" panose="02070309020205020404" pitchFamily="49" charset="0"/>
-              </a:rPr>
-              <a:t>sc.textFile</a:t>
-            </a:r>
-            <a:r>
               <a:rPr lang="en-US" dirty="0">
                 <a:latin typeface="Courier New" panose="02070309020205020404" pitchFamily="49" charset="0"/>
                 <a:cs typeface="Courier New" panose="02070309020205020404" pitchFamily="49" charset="0"/>
               </a:rPr>
-              <a:t>('file:///class/datasets/</a:t>
-            </a:r>
-            <a:r>
-              <a:rPr lang="en-US" dirty="0" err="1">
-                <a:latin typeface="Courier New" panose="02070309020205020404" pitchFamily="49" charset="0"/>
-                <a:cs typeface="Courier New" panose="02070309020205020404" pitchFamily="49" charset="0"/>
-              </a:rPr>
-              <a:t>northwind</a:t>
-            </a:r>
-            <a:r>
-              <a:rPr lang="en-US" dirty="0">
-                <a:latin typeface="Courier New" panose="02070309020205020404" pitchFamily="49" charset="0"/>
-                <a:cs typeface="Courier New" panose="02070309020205020404" pitchFamily="49" charset="0"/>
-              </a:rPr>
-              <a:t>/CSV/categories/</a:t>
-            </a:r>
-            <a:r>
-              <a:rPr lang="en-US" dirty="0" err="1">
-                <a:latin typeface="Courier New" panose="02070309020205020404" pitchFamily="49" charset="0"/>
-                <a:cs typeface="Courier New" panose="02070309020205020404" pitchFamily="49" charset="0"/>
-              </a:rPr>
-              <a:t>categories.csv</a:t>
-            </a:r>
-            <a:r>
-              <a:rPr lang="en-US" dirty="0">
-                <a:latin typeface="Courier New" panose="02070309020205020404" pitchFamily="49" charset="0"/>
-                <a:cs typeface="Courier New" panose="02070309020205020404" pitchFamily="49" charset="0"/>
-              </a:rPr>
-              <a:t>')</a:t>
+              <a:t>sc.textFile('file:///class/datasets/northwind/CSV/categories/categories.csv')</a:t>
             </a:r>
           </a:p>
           <a:p>
@@ -11580,7 +11545,7 @@
           <a:p>
             <a:r>
               <a:rPr lang="en-US" dirty="0"/>
-              <a:t>Load a hdfs folder</a:t>
+              <a:t>Load a HDFS folder</a:t>
             </a:r>
           </a:p>
           <a:p>
@@ -11592,21 +11557,7 @@
                 <a:latin typeface="Courier New" panose="02070309020205020404" pitchFamily="49" charset="0"/>
                 <a:cs typeface="Courier New" panose="02070309020205020404" pitchFamily="49" charset="0"/>
               </a:rPr>
-              <a:t>cat = </a:t>
-            </a:r>
-            <a:r>
-              <a:rPr lang="en-US" dirty="0" err="1">
-                <a:latin typeface="Courier New" panose="02070309020205020404" pitchFamily="49" charset="0"/>
-                <a:cs typeface="Courier New" panose="02070309020205020404" pitchFamily="49" charset="0"/>
-              </a:rPr>
-              <a:t>sc.textFile</a:t>
-            </a:r>
-            <a:r>
-              <a:rPr lang="en-US" dirty="0">
-                <a:latin typeface="Courier New" panose="02070309020205020404" pitchFamily="49" charset="0"/>
-                <a:cs typeface="Courier New" panose="02070309020205020404" pitchFamily="49" charset="0"/>
-              </a:rPr>
-              <a:t>('hdfs://localhost:9000/categories')</a:t>
+              <a:t>cat = sc.textFile('hdfs://localhost:9000/categories')</a:t>
             </a:r>
             <a:br>
               <a:rPr lang="en-US" dirty="0">
@@ -12165,18 +12116,11 @@
           <a:p>
             <a:pPr lvl="1"/>
             <a:r>
-              <a:rPr lang="en-US" dirty="0" err="1">
-                <a:latin typeface="Courier New" panose="02070309020205020404" pitchFamily="49" charset="0"/>
-                <a:cs typeface="Courier New" panose="02070309020205020404" pitchFamily="49" charset="0"/>
-              </a:rPr>
-              <a:t>rdd.saveAsPickleFile</a:t>
-            </a:r>
-            <a:r>
               <a:rPr lang="en-US" dirty="0">
                 <a:latin typeface="Courier New" panose="02070309020205020404" pitchFamily="49" charset="0"/>
                 <a:cs typeface="Courier New" panose="02070309020205020404" pitchFamily="49" charset="0"/>
               </a:rPr>
-              <a:t>() </a:t>
+              <a:t>rdd.saveAsPickleFile() </a:t>
             </a:r>
             <a:r>
               <a:rPr lang="en-US" dirty="0">
@@ -12193,15 +12137,7 @@
           <a:p>
             <a:r>
               <a:rPr lang="en-US" dirty="0"/>
-              <a:t>Typically most of these are no longer used in favor of </a:t>
-            </a:r>
-            <a:r>
-              <a:rPr lang="en-US" dirty="0" err="1"/>
-              <a:t>DataFrame</a:t>
-            </a:r>
-            <a:r>
-              <a:rPr lang="en-US" dirty="0"/>
-              <a:t> write options which are more rich</a:t>
+              <a:t>Typically, most of these are no longer used in favor of DataFrame write options which are more rich</a:t>
             </a:r>
           </a:p>
         </p:txBody>
@@ -13152,12 +13088,8 @@
               <a:defRPr/>
             </a:pPr>
             <a:r>
-              <a:rPr lang="en-US"/>
-              <a:t>Created </a:t>
-            </a:r>
-            <a:r>
-              <a:rPr lang="en-US" dirty="0"/>
-              <a:t>directories and files in HDFS</a:t>
+              <a:rPr lang="en-US" dirty="0"/>
+              <a:t>Created directories and files in HDFS</a:t>
             </a:r>
           </a:p>
           <a:p>
@@ -13439,7 +13371,7 @@
               <a:defRPr/>
             </a:pPr>
             <a:r>
-              <a:rPr lang="en-US" b="1" dirty="0" err="1"/>
+              <a:rPr lang="en-US" b="1" dirty="0"/>
               <a:t>NameNode</a:t>
             </a:r>
             <a:r>
@@ -13452,7 +13384,7 @@
               <a:defRPr/>
             </a:pPr>
             <a:r>
-              <a:rPr lang="en-US" b="1" dirty="0" err="1"/>
+              <a:rPr lang="en-US" b="1" dirty="0"/>
               <a:t>DataNode</a:t>
             </a:r>
             <a:r>
@@ -13601,15 +13533,7 @@
           <a:p>
             <a:r>
               <a:rPr lang="en-US" dirty="0"/>
-              <a:t>To start </a:t>
-            </a:r>
-            <a:r>
-              <a:rPr lang="en-US" dirty="0" err="1"/>
-              <a:t>Jupyter</a:t>
-            </a:r>
-            <a:r>
-              <a:rPr lang="en-US" dirty="0"/>
-              <a:t> open a terminal window and type the following commands:</a:t>
+              <a:t>To start Jupyter open a terminal window and type the following commands:</a:t>
             </a:r>
             <a:br>
               <a:rPr lang="en-US" dirty="0"/>
@@ -13636,15 +13560,7 @@
             <a:pPr lvl="1"/>
             <a:r>
               <a:rPr lang="en-US" dirty="0"/>
-              <a:t>Once it is finished, copy the </a:t>
-            </a:r>
-            <a:r>
-              <a:rPr lang="en-US" dirty="0" err="1"/>
-              <a:t>url</a:t>
-            </a:r>
-            <a:r>
-              <a:rPr lang="en-US" dirty="0"/>
-              <a:t> and paste it into a browser</a:t>
+              <a:t>Once it is finished, copy the URL and paste it into a browser</a:t>
             </a:r>
           </a:p>
           <a:p>
@@ -13684,13 +13600,8 @@
           <a:p>
             <a:r>
               <a:rPr lang="en-US" dirty="0"/>
-              <a:t>Start </a:t>
-            </a:r>
-            <a:r>
-              <a:rPr lang="en-US" dirty="0" err="1"/>
-              <a:t>Jupyter</a:t>
-            </a:r>
-            <a:endParaRPr lang="en-US" dirty="0"/>
+              <a:t>Start Jupyter</a:t>
+            </a:r>
           </a:p>
         </p:txBody>
       </p:sp>
@@ -13774,19 +13685,8 @@
                 <a:latin typeface="Courier New" panose="02070309020205020404" pitchFamily="49" charset="0"/>
                 <a:cs typeface="Courier New" panose="02070309020205020404" pitchFamily="49" charset="0"/>
               </a:rPr>
-              <a:t>start-</a:t>
-            </a:r>
-            <a:r>
-              <a:rPr lang="en-US" dirty="0" err="1">
-                <a:latin typeface="Courier New" panose="02070309020205020404" pitchFamily="49" charset="0"/>
-                <a:cs typeface="Courier New" panose="02070309020205020404" pitchFamily="49" charset="0"/>
-              </a:rPr>
-              <a:t>hadoop</a:t>
-            </a:r>
-            <a:endParaRPr lang="en-US" dirty="0">
-              <a:latin typeface="Courier New" panose="02070309020205020404" pitchFamily="49" charset="0"/>
-              <a:cs typeface="Courier New" panose="02070309020205020404" pitchFamily="49" charset="0"/>
-            </a:endParaRPr>
+              <a:t>start-hadoop</a:t>
+            </a:r>
           </a:p>
           <a:p>
             <a:pPr marL="457200" lvl="2" indent="0">
@@ -13807,15 +13707,7 @@
           <a:p>
             <a:r>
               <a:rPr lang="en-US" dirty="0"/>
-              <a:t>From a command line or in the </a:t>
-            </a:r>
-            <a:r>
-              <a:rPr lang="en-US" dirty="0" err="1"/>
-              <a:t>Jupyter</a:t>
-            </a:r>
-            <a:r>
-              <a:rPr lang="en-US" dirty="0"/>
-              <a:t> notebook, try the following commands:</a:t>
+              <a:t>From a command line or in the Jupyter notebook, try the following commands:</a:t>
             </a:r>
           </a:p>
           <a:p>
@@ -13871,18 +13763,11 @@
               <a:buNone/>
             </a:pPr>
             <a:r>
-              <a:rPr lang="en-US" dirty="0" err="1">
-                <a:latin typeface="Courier New" panose="02070309020205020404" pitchFamily="49" charset="0"/>
-                <a:cs typeface="Courier New" panose="02070309020205020404" pitchFamily="49" charset="0"/>
-              </a:rPr>
-              <a:t>hadoop</a:t>
-            </a:r>
-            <a:r>
               <a:rPr lang="en-US" dirty="0">
                 <a:latin typeface="Courier New" panose="02070309020205020404" pitchFamily="49" charset="0"/>
                 <a:cs typeface="Courier New" panose="02070309020205020404" pitchFamily="49" charset="0"/>
               </a:rPr>
-              <a:t> fs –ls /</a:t>
+              <a:t>hadoop fs –ls /</a:t>
             </a:r>
           </a:p>
           <a:p>
@@ -13895,14 +13780,7 @@
                 <a:latin typeface="Courier New" panose="02070309020205020404" pitchFamily="49" charset="0"/>
                 <a:cs typeface="Courier New" panose="02070309020205020404" pitchFamily="49" charset="0"/>
               </a:rPr>
-              <a:t>~/.</a:t>
-            </a:r>
-            <a:r>
-              <a:rPr lang="en-US" dirty="0" err="1">
-                <a:latin typeface="Courier New" panose="02070309020205020404" pitchFamily="49" charset="0"/>
-                <a:cs typeface="Courier New" panose="02070309020205020404" pitchFamily="49" charset="0"/>
-              </a:rPr>
-              <a:t>bashrc</a:t>
+              <a:t>~/.bashrc</a:t>
             </a:r>
             <a:endParaRPr lang="en-US" dirty="0"/>
           </a:p>
@@ -13917,52 +13795,24 @@
             <a:pPr marL="461963" lvl="1" indent="0">
               <a:buNone/>
             </a:pPr>
-            <a:r>
-              <a:rPr lang="en-US" dirty="0" err="1">
-                <a:latin typeface="Courier New" panose="02070309020205020404" pitchFamily="49" charset="0"/>
-                <a:cs typeface="Courier New" panose="02070309020205020404" pitchFamily="49" charset="0"/>
-              </a:rPr>
-              <a:t>hls</a:t>
-            </a:r>
             <a:r>
               <a:rPr lang="en-US" dirty="0">
                 <a:latin typeface="Courier New" panose="02070309020205020404" pitchFamily="49" charset="0"/>
                 <a:cs typeface="Courier New" panose="02070309020205020404" pitchFamily="49" charset="0"/>
               </a:rPr>
-              <a:t> /</a:t>
+              <a:t>hls /</a:t>
             </a:r>
           </a:p>
           <a:p>
             <a:pPr marL="461963" lvl="1" indent="0">
               <a:buNone/>
             </a:pPr>
-            <a:r>
-              <a:rPr lang="en-US" dirty="0" err="1">
-                <a:latin typeface="Courier New" panose="02070309020205020404" pitchFamily="49" charset="0"/>
-                <a:cs typeface="Courier New" panose="02070309020205020404" pitchFamily="49" charset="0"/>
-              </a:rPr>
-              <a:t>hput</a:t>
-            </a:r>
             <a:r>
               <a:rPr lang="en-US" dirty="0">
                 <a:latin typeface="Courier New" panose="02070309020205020404" pitchFamily="49" charset="0"/>
                 <a:cs typeface="Courier New" panose="02070309020205020404" pitchFamily="49" charset="0"/>
               </a:rPr>
-              <a:t> /class/datasets/</a:t>
-            </a:r>
-            <a:r>
-              <a:rPr lang="en-US" dirty="0" err="1">
-                <a:latin typeface="Courier New" panose="02070309020205020404" pitchFamily="49" charset="0"/>
-                <a:cs typeface="Courier New" panose="02070309020205020404" pitchFamily="49" charset="0"/>
-              </a:rPr>
-              <a:t>northwind</a:t>
-            </a:r>
-            <a:r>
-              <a:rPr lang="en-US" dirty="0">
-                <a:latin typeface="Courier New" panose="02070309020205020404" pitchFamily="49" charset="0"/>
-                <a:cs typeface="Courier New" panose="02070309020205020404" pitchFamily="49" charset="0"/>
-              </a:rPr>
-              <a:t>/CSV/regions /</a:t>
+              <a:t>hput /class/datasets/northwind/CSV/regions /</a:t>
             </a:r>
           </a:p>
           <a:p>
@@ -15502,17 +15352,49 @@
 </file>
 
 <file path=customXml/item1.xml><?xml version="1.0" encoding="utf-8"?>
-<p:properties xmlns:p="http://schemas.microsoft.com/office/2006/metadata/properties" xmlns:xsi="http://www.w3.org/2001/XMLSchema-instance" xmlns:pc="http://schemas.microsoft.com/office/infopath/2007/PartnerControls">
-  <documentManagement>
-    <_dlc_DocId xmlns="037063e9-a85e-4c78-8627-f1a9315663e5">EVEA5JW6U4JV-6-9770</_dlc_DocId>
-    <_dlc_DocIdUrl xmlns="037063e9-a85e-4c78-8627-f1a9315663e5">
-      <Url>https://portal.roitraining.com/Courses/_layouts/DocIdRedir.aspx?ID=EVEA5JW6U4JV-6-9770</Url>
-      <Description>EVEA5JW6U4JV-6-9770</Description>
-    </_dlc_DocIdUrl>
-    <Date_x0020_last_x0020_used xmlns="027ed24f-5970-4294-be5c-0919c5aaa214" xsi:nil="true"/>
-    <Customization_x0020_Information xmlns="027ed24f-5970-4294-be5c-0919c5aaa214" xsi:nil="true"/>
-  </documentManagement>
-</p:properties>
+<?mso-contentType ?>
+<spe:Receivers xmlns:spe="http://schemas.microsoft.com/sharepoint/events">
+  <Receiver>
+    <Name>Document ID Generator</Name>
+    <Synchronization>Synchronous</Synchronization>
+    <Type>10001</Type>
+    <SequenceNumber>1000</SequenceNumber>
+    <Assembly>Microsoft.Office.DocumentManagement, Version=14.0.0.0, Culture=neutral, PublicKeyToken=71e9bce111e9429c</Assembly>
+    <Class>Microsoft.Office.DocumentManagement.Internal.DocIdHandler</Class>
+    <Data/>
+    <Filter/>
+  </Receiver>
+  <Receiver>
+    <Name>Document ID Generator</Name>
+    <Synchronization>Synchronous</Synchronization>
+    <Type>10002</Type>
+    <SequenceNumber>1001</SequenceNumber>
+    <Assembly>Microsoft.Office.DocumentManagement, Version=14.0.0.0, Culture=neutral, PublicKeyToken=71e9bce111e9429c</Assembly>
+    <Class>Microsoft.Office.DocumentManagement.Internal.DocIdHandler</Class>
+    <Data/>
+    <Filter/>
+  </Receiver>
+  <Receiver>
+    <Name>Document ID Generator</Name>
+    <Synchronization>Synchronous</Synchronization>
+    <Type>10004</Type>
+    <SequenceNumber>1002</SequenceNumber>
+    <Assembly>Microsoft.Office.DocumentManagement, Version=14.0.0.0, Culture=neutral, PublicKeyToken=71e9bce111e9429c</Assembly>
+    <Class>Microsoft.Office.DocumentManagement.Internal.DocIdHandler</Class>
+    <Data/>
+    <Filter/>
+  </Receiver>
+  <Receiver>
+    <Name>Document ID Generator</Name>
+    <Synchronization>Synchronous</Synchronization>
+    <Type>10006</Type>
+    <SequenceNumber>1003</SequenceNumber>
+    <Assembly>Microsoft.Office.DocumentManagement, Version=14.0.0.0, Culture=neutral, PublicKeyToken=71e9bce111e9429c</Assembly>
+    <Class>Microsoft.Office.DocumentManagement.Internal.DocIdHandler</Class>
+    <Data/>
+    <Filter/>
+  </Receiver>
+</spe:Receivers>
 </file>
 
 <file path=customXml/item2.xml><?xml version="1.0" encoding="utf-8"?>
@@ -15682,49 +15564,17 @@
 </file>
 
 <file path=customXml/item3.xml><?xml version="1.0" encoding="utf-8"?>
-<?mso-contentType ?>
-<spe:Receivers xmlns:spe="http://schemas.microsoft.com/sharepoint/events">
-  <Receiver>
-    <Name>Document ID Generator</Name>
-    <Synchronization>Synchronous</Synchronization>
-    <Type>10001</Type>
-    <SequenceNumber>1000</SequenceNumber>
-    <Assembly>Microsoft.Office.DocumentManagement, Version=14.0.0.0, Culture=neutral, PublicKeyToken=71e9bce111e9429c</Assembly>
-    <Class>Microsoft.Office.DocumentManagement.Internal.DocIdHandler</Class>
-    <Data/>
-    <Filter/>
-  </Receiver>
-  <Receiver>
-    <Name>Document ID Generator</Name>
-    <Synchronization>Synchronous</Synchronization>
-    <Type>10002</Type>
-    <SequenceNumber>1001</SequenceNumber>
-    <Assembly>Microsoft.Office.DocumentManagement, Version=14.0.0.0, Culture=neutral, PublicKeyToken=71e9bce111e9429c</Assembly>
-    <Class>Microsoft.Office.DocumentManagement.Internal.DocIdHandler</Class>
-    <Data/>
-    <Filter/>
-  </Receiver>
-  <Receiver>
-    <Name>Document ID Generator</Name>
-    <Synchronization>Synchronous</Synchronization>
-    <Type>10004</Type>
-    <SequenceNumber>1002</SequenceNumber>
-    <Assembly>Microsoft.Office.DocumentManagement, Version=14.0.0.0, Culture=neutral, PublicKeyToken=71e9bce111e9429c</Assembly>
-    <Class>Microsoft.Office.DocumentManagement.Internal.DocIdHandler</Class>
-    <Data/>
-    <Filter/>
-  </Receiver>
-  <Receiver>
-    <Name>Document ID Generator</Name>
-    <Synchronization>Synchronous</Synchronization>
-    <Type>10006</Type>
-    <SequenceNumber>1003</SequenceNumber>
-    <Assembly>Microsoft.Office.DocumentManagement, Version=14.0.0.0, Culture=neutral, PublicKeyToken=71e9bce111e9429c</Assembly>
-    <Class>Microsoft.Office.DocumentManagement.Internal.DocIdHandler</Class>
-    <Data/>
-    <Filter/>
-  </Receiver>
-</spe:Receivers>
+<p:properties xmlns:p="http://schemas.microsoft.com/office/2006/metadata/properties" xmlns:xsi="http://www.w3.org/2001/XMLSchema-instance" xmlns:pc="http://schemas.microsoft.com/office/infopath/2007/PartnerControls">
+  <documentManagement>
+    <_dlc_DocId xmlns="037063e9-a85e-4c78-8627-f1a9315663e5">EVEA5JW6U4JV-6-9770</_dlc_DocId>
+    <_dlc_DocIdUrl xmlns="037063e9-a85e-4c78-8627-f1a9315663e5">
+      <Url>https://portal.roitraining.com/Courses/_layouts/DocIdRedir.aspx?ID=EVEA5JW6U4JV-6-9770</Url>
+      <Description>EVEA5JW6U4JV-6-9770</Description>
+    </_dlc_DocIdUrl>
+    <Date_x0020_last_x0020_used xmlns="027ed24f-5970-4294-be5c-0919c5aaa214" xsi:nil="true"/>
+    <Customization_x0020_Information xmlns="027ed24f-5970-4294-be5c-0919c5aaa214" xsi:nil="true"/>
+  </documentManagement>
+</p:properties>
 </file>
 
 <file path=customXml/item4.xml><?xml version="1.0" encoding="utf-8"?>
@@ -15737,12 +15587,9 @@
 </file>
 
 <file path=customXml/itemProps1.xml><?xml version="1.0" encoding="utf-8"?>
-<ds:datastoreItem xmlns:ds="http://schemas.openxmlformats.org/officeDocument/2006/customXml" ds:itemID="{F47B9207-CE5C-49AD-B414-15CBFA246D65}">
+<ds:datastoreItem xmlns:ds="http://schemas.openxmlformats.org/officeDocument/2006/customXml" ds:itemID="{B9043294-8302-4947-B882-02D6486F929C}">
   <ds:schemaRefs>
-    <ds:schemaRef ds:uri="http://schemas.microsoft.com/office/2006/metadata/properties"/>
-    <ds:schemaRef ds:uri="http://schemas.microsoft.com/office/infopath/2007/PartnerControls"/>
-    <ds:schemaRef ds:uri="037063e9-a85e-4c78-8627-f1a9315663e5"/>
-    <ds:schemaRef ds:uri="027ed24f-5970-4294-be5c-0919c5aaa214"/>
+    <ds:schemaRef ds:uri="http://schemas.microsoft.com/sharepoint/events"/>
   </ds:schemaRefs>
 </ds:datastoreItem>
 </file>
@@ -15767,9 +15614,12 @@
 </file>
 
 <file path=customXml/itemProps3.xml><?xml version="1.0" encoding="utf-8"?>
-<ds:datastoreItem xmlns:ds="http://schemas.openxmlformats.org/officeDocument/2006/customXml" ds:itemID="{B9043294-8302-4947-B882-02D6486F929C}">
+<ds:datastoreItem xmlns:ds="http://schemas.openxmlformats.org/officeDocument/2006/customXml" ds:itemID="{F47B9207-CE5C-49AD-B414-15CBFA246D65}">
   <ds:schemaRefs>
-    <ds:schemaRef ds:uri="http://schemas.microsoft.com/sharepoint/events"/>
+    <ds:schemaRef ds:uri="http://schemas.microsoft.com/office/2006/metadata/properties"/>
+    <ds:schemaRef ds:uri="http://schemas.microsoft.com/office/infopath/2007/PartnerControls"/>
+    <ds:schemaRef ds:uri="037063e9-a85e-4c78-8627-f1a9315663e5"/>
+    <ds:schemaRef ds:uri="027ed24f-5970-4294-be5c-0919c5aaa214"/>
   </ds:schemaRefs>
 </ds:datastoreItem>
 </file>
